--- a/#11_Python_RegEx_Decorators.pptx
+++ b/#11_Python_RegEx_Decorators.pptx
@@ -6,10 +6,10 @@
     <p:sldMasterId id="2147483665" r:id="rId2"/>
   </p:sldMasterIdLst>
   <p:notesMasterIdLst>
-    <p:notesMasterId r:id="rId27"/>
+    <p:notesMasterId r:id="rId23"/>
   </p:notesMasterIdLst>
   <p:handoutMasterIdLst>
-    <p:handoutMasterId r:id="rId28"/>
+    <p:handoutMasterId r:id="rId24"/>
   </p:handoutMasterIdLst>
   <p:sldIdLst>
     <p:sldId id="307" r:id="rId3"/>
@@ -31,11 +31,7 @@
     <p:sldId id="341" r:id="rId19"/>
     <p:sldId id="342" r:id="rId20"/>
     <p:sldId id="343" r:id="rId21"/>
-    <p:sldId id="344" r:id="rId22"/>
-    <p:sldId id="345" r:id="rId23"/>
-    <p:sldId id="346" r:id="rId24"/>
-    <p:sldId id="347" r:id="rId25"/>
-    <p:sldId id="320" r:id="rId26"/>
+    <p:sldId id="320" r:id="rId22"/>
   </p:sldIdLst>
   <p:sldSz cx="12192000" cy="6858000"/>
   <p:notesSz cx="6858000" cy="9144000"/>
@@ -331,7 +327,7 @@
                 <a:ea typeface="SimSun" panose="02010600030101010101" pitchFamily="2" charset="-122"/>
                 <a:cs typeface="+mn-cs"/>
               </a:rPr>
-              <a:t>2021/10/29</a:t>
+              <a:t>2021/11/12</a:t>
             </a:fld>
             <a:endParaRPr lang="zh-CN" altLang="en-US" strike="noStrike" noProof="1"/>
           </a:p>
@@ -16483,11 +16479,7 @@
           <a:p>
             <a:r>
               <a:rPr lang="en-US" sz="4000" b="1" dirty="0" smtClean="0"/>
-              <a:t>re </a:t>
-            </a:r>
-            <a:r>
-              <a:rPr lang="en-US" sz="4000" b="1" dirty="0" smtClean="0"/>
-              <a:t>module</a:t>
+              <a:t>re module</a:t>
             </a:r>
             <a:endParaRPr lang="en-US" sz="4000" b="1" dirty="0"/>
           </a:p>
@@ -17936,7 +17928,6 @@
               <a:rPr lang="en-US" sz="2400" dirty="0"/>
               <a:t>Some of the commonly used methods and attributes of match objects are</a:t>
             </a:r>
-            <a:endParaRPr lang="en-US" sz="2400" dirty="0"/>
           </a:p>
         </p:txBody>
       </p:sp>
@@ -18461,7 +18452,7 @@
         </p:nvSpPr>
         <p:spPr>
           <a:xfrm>
-            <a:off x="116369" y="1117700"/>
+            <a:off x="116369" y="1484144"/>
             <a:ext cx="11538857" cy="1569660"/>
           </a:xfrm>
           <a:prstGeom prst="rect">
@@ -18488,13 +18479,304 @@
               <a:t>This is also called </a:t>
             </a:r>
             <a:r>
-              <a:rPr lang="en-US" sz="2400" dirty="0" err="1"/>
-              <a:t>metaprogramming</a:t>
+              <a:rPr lang="en-US" sz="2400" dirty="0" smtClean="0"/>
+              <a:t>meta-programming </a:t>
             </a:r>
             <a:r>
               <a:rPr lang="en-US" sz="2400" dirty="0"/>
-              <a:t> because a part of the program tries to modify another part of the program at compile time.</a:t>
-            </a:r>
+              <a:t>because a part of the program tries to modify another part of the program at compile time.</a:t>
+            </a:r>
+          </a:p>
+        </p:txBody>
+      </p:sp>
+      <p:sp>
+        <p:nvSpPr>
+          <p:cNvPr id="7" name="Rectangle 6"/>
+          <p:cNvSpPr/>
+          <p:nvPr/>
+        </p:nvSpPr>
+        <p:spPr>
+          <a:xfrm>
+            <a:off x="310679" y="3595716"/>
+            <a:ext cx="11427931" cy="1200329"/>
+          </a:xfrm>
+          <a:prstGeom prst="rect">
+            <a:avLst/>
+          </a:prstGeom>
+        </p:spPr>
+        <p:txBody>
+          <a:bodyPr wrap="square">
+            <a:spAutoFit/>
+          </a:bodyPr>
+          <a:lstStyle/>
+          <a:p>
+            <a:pPr algn="ctr"/>
+            <a:r>
+              <a:rPr lang="en-US" sz="2400" dirty="0"/>
+              <a:t>A decorator is a design pattern in Python that allows a user to add new functionality to an existing object without modifying its structure. Decorators are usually called before the definition of a function you want to decorate.</a:t>
+            </a:r>
+          </a:p>
+        </p:txBody>
+      </p:sp>
+      <p:sp>
+        <p:nvSpPr>
+          <p:cNvPr id="9" name="Rectangle 1"/>
+          <p:cNvSpPr>
+            <a:spLocks noChangeArrowheads="1"/>
+          </p:cNvSpPr>
+          <p:nvPr/>
+        </p:nvSpPr>
+        <p:spPr bwMode="auto">
+          <a:xfrm>
+            <a:off x="249719" y="5309084"/>
+            <a:ext cx="2319866" cy="954107"/>
+          </a:xfrm>
+          <a:prstGeom prst="rect">
+            <a:avLst/>
+          </a:prstGeom>
+          <a:noFill/>
+          <a:ln>
+            <a:noFill/>
+          </a:ln>
+          <a:effectLst/>
+          <a:extLst>
+            <a:ext uri="{909E8E84-426E-40DD-AFC4-6F175D3DCCD1}">
+              <a14:hiddenFill xmlns:a14="http://schemas.microsoft.com/office/drawing/2010/main">
+                <a:solidFill>
+                  <a:schemeClr val="accent1"/>
+                </a:solidFill>
+              </a14:hiddenFill>
+            </a:ext>
+            <a:ext uri="{91240B29-F687-4F45-9708-019B960494DF}">
+              <a14:hiddenLine xmlns:a14="http://schemas.microsoft.com/office/drawing/2010/main" w="9525">
+                <a:solidFill>
+                  <a:schemeClr val="tx1"/>
+                </a:solidFill>
+                <a:miter lim="800000"/>
+                <a:headEnd/>
+                <a:tailEnd/>
+              </a14:hiddenLine>
+            </a:ext>
+            <a:ext uri="{AF507438-7753-43E0-B8FC-AC1667EBCBE1}">
+              <a14:hiddenEffects xmlns:a14="http://schemas.microsoft.com/office/drawing/2010/main">
+                <a:effectLst>
+                  <a:outerShdw dist="35921" dir="2700000" algn="ctr" rotWithShape="0">
+                    <a:schemeClr val="bg2"/>
+                  </a:outerShdw>
+                </a:effectLst>
+              </a14:hiddenEffects>
+            </a:ext>
+          </a:extLst>
+        </p:spPr>
+        <p:txBody>
+          <a:bodyPr vert="horz" wrap="none" lIns="91440" tIns="45720" rIns="91440" bIns="45720" numCol="1" anchor="ctr" anchorCtr="0" compatLnSpc="1">
+            <a:prstTxWarp prst="textNoShape">
+              <a:avLst/>
+            </a:prstTxWarp>
+            <a:spAutoFit/>
+          </a:bodyPr>
+          <a:lstStyle/>
+          <a:p>
+            <a:pPr marL="0" marR="0" lvl="0" indent="0" algn="l" defTabSz="914400" rtl="0" eaLnBrk="0" fontAlgn="base" latinLnBrk="0" hangingPunct="0">
+              <a:lnSpc>
+                <a:spcPct val="100000"/>
+              </a:lnSpc>
+              <a:spcBef>
+                <a:spcPct val="0"/>
+              </a:spcBef>
+              <a:spcAft>
+                <a:spcPct val="0"/>
+              </a:spcAft>
+              <a:buClrTx/>
+              <a:buSzTx/>
+              <a:buFontTx/>
+              <a:buNone/>
+              <a:tabLst/>
+            </a:pPr>
+            <a:r>
+              <a:rPr kumimoji="0" lang="en-US" sz="1600" b="0" i="0" u="none" strike="noStrike" cap="none" normalizeH="0" baseline="0" dirty="0" smtClean="0">
+                <a:ln>
+                  <a:noFill/>
+                </a:ln>
+                <a:solidFill>
+                  <a:schemeClr val="tx1"/>
+                </a:solidFill>
+                <a:effectLst/>
+                <a:latin typeface="Arial Unicode MS" panose="020B0604020202020204" pitchFamily="34" charset="-128"/>
+              </a:rPr>
+              <a:t>@</a:t>
+            </a:r>
+            <a:r>
+              <a:rPr kumimoji="0" lang="en-US" sz="1600" b="0" i="0" u="none" strike="noStrike" cap="none" normalizeH="0" baseline="0" dirty="0" err="1" smtClean="0">
+                <a:ln>
+                  <a:noFill/>
+                </a:ln>
+                <a:solidFill>
+                  <a:schemeClr val="tx1"/>
+                </a:solidFill>
+                <a:effectLst/>
+                <a:latin typeface="Arial Unicode MS" panose="020B0604020202020204" pitchFamily="34" charset="-128"/>
+              </a:rPr>
+              <a:t>uppercase_decorator</a:t>
+            </a:r>
+            <a:endParaRPr kumimoji="0" lang="en-US" sz="1600" b="0" i="0" u="none" strike="noStrike" cap="none" normalizeH="0" baseline="0" dirty="0" smtClean="0">
+              <a:ln>
+                <a:noFill/>
+              </a:ln>
+              <a:solidFill>
+                <a:schemeClr val="tx1"/>
+              </a:solidFill>
+              <a:effectLst/>
+              <a:latin typeface="Arial Unicode MS" panose="020B0604020202020204" pitchFamily="34" charset="-128"/>
+            </a:endParaRPr>
+          </a:p>
+          <a:p>
+            <a:pPr marL="0" marR="0" lvl="0" indent="0" algn="l" defTabSz="914400" rtl="0" eaLnBrk="0" fontAlgn="base" latinLnBrk="0" hangingPunct="0">
+              <a:lnSpc>
+                <a:spcPct val="100000"/>
+              </a:lnSpc>
+              <a:spcBef>
+                <a:spcPct val="0"/>
+              </a:spcBef>
+              <a:spcAft>
+                <a:spcPct val="0"/>
+              </a:spcAft>
+              <a:buClrTx/>
+              <a:buSzTx/>
+              <a:buFontTx/>
+              <a:buNone/>
+              <a:tabLst/>
+            </a:pPr>
+            <a:r>
+              <a:rPr kumimoji="0" lang="en-US" sz="1600" b="0" i="0" u="none" strike="noStrike" cap="none" normalizeH="0" baseline="0" dirty="0" smtClean="0">
+                <a:ln>
+                  <a:noFill/>
+                </a:ln>
+                <a:solidFill>
+                  <a:schemeClr val="tx1"/>
+                </a:solidFill>
+                <a:effectLst/>
+                <a:latin typeface="Arial Unicode MS" panose="020B0604020202020204" pitchFamily="34" charset="-128"/>
+              </a:rPr>
+              <a:t> </a:t>
+            </a:r>
+            <a:r>
+              <a:rPr kumimoji="0" lang="en-US" sz="1600" b="0" i="0" u="none" strike="noStrike" cap="none" normalizeH="0" baseline="0" dirty="0" err="1" smtClean="0">
+                <a:ln>
+                  <a:noFill/>
+                </a:ln>
+                <a:solidFill>
+                  <a:schemeClr val="tx1"/>
+                </a:solidFill>
+                <a:effectLst/>
+                <a:latin typeface="Arial Unicode MS" panose="020B0604020202020204" pitchFamily="34" charset="-128"/>
+              </a:rPr>
+              <a:t>def</a:t>
+            </a:r>
+            <a:r>
+              <a:rPr kumimoji="0" lang="en-US" sz="1600" b="0" i="0" u="none" strike="noStrike" cap="none" normalizeH="0" baseline="0" dirty="0" smtClean="0">
+                <a:ln>
+                  <a:noFill/>
+                </a:ln>
+                <a:solidFill>
+                  <a:schemeClr val="tx1"/>
+                </a:solidFill>
+                <a:effectLst/>
+                <a:latin typeface="Arial Unicode MS" panose="020B0604020202020204" pitchFamily="34" charset="-128"/>
+              </a:rPr>
+              <a:t> </a:t>
+            </a:r>
+            <a:r>
+              <a:rPr kumimoji="0" lang="en-US" sz="1600" b="0" i="0" u="none" strike="noStrike" cap="none" normalizeH="0" baseline="0" dirty="0" err="1" smtClean="0">
+                <a:ln>
+                  <a:noFill/>
+                </a:ln>
+                <a:solidFill>
+                  <a:schemeClr val="tx1"/>
+                </a:solidFill>
+                <a:effectLst/>
+                <a:latin typeface="Arial Unicode MS" panose="020B0604020202020204" pitchFamily="34" charset="-128"/>
+              </a:rPr>
+              <a:t>say_hi</a:t>
+            </a:r>
+            <a:r>
+              <a:rPr kumimoji="0" lang="en-US" sz="1600" b="0" i="0" u="none" strike="noStrike" cap="none" normalizeH="0" baseline="0" dirty="0" smtClean="0">
+                <a:ln>
+                  <a:noFill/>
+                </a:ln>
+                <a:solidFill>
+                  <a:schemeClr val="tx1"/>
+                </a:solidFill>
+                <a:effectLst/>
+                <a:latin typeface="Arial Unicode MS" panose="020B0604020202020204" pitchFamily="34" charset="-128"/>
+              </a:rPr>
+              <a:t>(): </a:t>
+            </a:r>
+          </a:p>
+          <a:p>
+            <a:pPr marL="0" marR="0" lvl="0" indent="0" algn="l" defTabSz="914400" rtl="0" eaLnBrk="0" fontAlgn="base" latinLnBrk="0" hangingPunct="0">
+              <a:lnSpc>
+                <a:spcPct val="100000"/>
+              </a:lnSpc>
+              <a:spcBef>
+                <a:spcPct val="0"/>
+              </a:spcBef>
+              <a:spcAft>
+                <a:spcPct val="0"/>
+              </a:spcAft>
+              <a:buClrTx/>
+              <a:buSzTx/>
+              <a:buFontTx/>
+              <a:buNone/>
+              <a:tabLst/>
+            </a:pPr>
+            <a:r>
+              <a:rPr lang="en-US" sz="1600" dirty="0">
+                <a:latin typeface="Arial Unicode MS" panose="020B0604020202020204" pitchFamily="34" charset="-128"/>
+              </a:rPr>
+              <a:t> </a:t>
+            </a:r>
+            <a:r>
+              <a:rPr lang="en-US" sz="1600" dirty="0" smtClean="0">
+                <a:latin typeface="Arial Unicode MS" panose="020B0604020202020204" pitchFamily="34" charset="-128"/>
+              </a:rPr>
+              <a:t>    </a:t>
+            </a:r>
+            <a:r>
+              <a:rPr kumimoji="0" lang="en-US" sz="1600" b="0" i="0" u="none" strike="noStrike" cap="none" normalizeH="0" baseline="0" dirty="0" smtClean="0">
+                <a:ln>
+                  <a:noFill/>
+                </a:ln>
+                <a:solidFill>
+                  <a:schemeClr val="tx1"/>
+                </a:solidFill>
+                <a:effectLst/>
+                <a:latin typeface="Arial Unicode MS" panose="020B0604020202020204" pitchFamily="34" charset="-128"/>
+              </a:rPr>
+              <a:t>return 'hello there'</a:t>
+            </a:r>
+            <a:r>
+              <a:rPr kumimoji="0" lang="en-US" sz="2400" b="0" i="0" u="none" strike="noStrike" cap="none" normalizeH="0" baseline="0" dirty="0" smtClean="0">
+                <a:ln>
+                  <a:noFill/>
+                </a:ln>
+                <a:solidFill>
+                  <a:schemeClr val="tx1"/>
+                </a:solidFill>
+                <a:effectLst/>
+              </a:rPr>
+              <a:t> </a:t>
+            </a:r>
+            <a:endParaRPr kumimoji="0" lang="en-US" sz="3600" b="0" i="0" u="none" strike="noStrike" cap="none" normalizeH="0" baseline="0" dirty="0" smtClean="0">
+              <a:ln>
+                <a:noFill/>
+              </a:ln>
+              <a:solidFill>
+                <a:schemeClr val="tx1"/>
+              </a:solidFill>
+              <a:effectLst/>
+              <a:latin typeface="Arial" panose="020B0604020202020204" pitchFamily="34" charset="0"/>
+            </a:endParaRPr>
           </a:p>
         </p:txBody>
       </p:sp>
@@ -19413,2066 +19695,6 @@
 </file>
 
 <file path=ppt/slides/slide20.xml><?xml version="1.0" encoding="utf-8"?>
-<p:sld xmlns:a="http://schemas.openxmlformats.org/drawingml/2006/main" xmlns:r="http://schemas.openxmlformats.org/officeDocument/2006/relationships" xmlns:p="http://schemas.openxmlformats.org/presentationml/2006/main">
-  <p:cSld>
-    <p:spTree>
-      <p:nvGrpSpPr>
-        <p:cNvPr id="1" name=""/>
-        <p:cNvGrpSpPr/>
-        <p:nvPr/>
-      </p:nvGrpSpPr>
-      <p:grpSpPr>
-        <a:xfrm>
-          <a:off x="0" y="0"/>
-          <a:ext cx="0" cy="0"/>
-          <a:chOff x="0" y="0"/>
-          <a:chExt cx="0" cy="0"/>
-        </a:xfrm>
-      </p:grpSpPr>
-      <p:sp>
-        <p:nvSpPr>
-          <p:cNvPr id="2" name="直角三角形 1"/>
-          <p:cNvSpPr/>
-          <p:nvPr/>
-        </p:nvSpPr>
-        <p:spPr>
-          <a:xfrm flipH="1" flipV="1">
-            <a:off x="4076700" y="0"/>
-            <a:ext cx="8115300" cy="6273800"/>
-          </a:xfrm>
-          <a:prstGeom prst="rtTriangle">
-            <a:avLst/>
-          </a:prstGeom>
-          <a:solidFill>
-            <a:srgbClr val="747472"/>
-          </a:solidFill>
-          <a:ln>
-            <a:noFill/>
-          </a:ln>
-        </p:spPr>
-        <p:style>
-          <a:lnRef idx="2">
-            <a:schemeClr val="accent1">
-              <a:shade val="50000"/>
-            </a:schemeClr>
-          </a:lnRef>
-          <a:fillRef idx="1">
-            <a:schemeClr val="accent1"/>
-          </a:fillRef>
-          <a:effectRef idx="0">
-            <a:schemeClr val="accent1"/>
-          </a:effectRef>
-          <a:fontRef idx="minor">
-            <a:schemeClr val="lt1"/>
-          </a:fontRef>
-        </p:style>
-        <p:txBody>
-          <a:bodyPr anchor="ctr"/>
-          <a:lstStyle/>
-          <a:p>
-            <a:pPr marL="0" marR="0" lvl="0" indent="0" algn="ctr" defTabSz="914400" rtl="0" eaLnBrk="1" fontAlgn="auto" latinLnBrk="0" hangingPunct="1">
-              <a:lnSpc>
-                <a:spcPct val="100000"/>
-              </a:lnSpc>
-              <a:spcBef>
-                <a:spcPts val="0"/>
-              </a:spcBef>
-              <a:spcAft>
-                <a:spcPts val="0"/>
-              </a:spcAft>
-              <a:buClrTx/>
-              <a:buSzTx/>
-              <a:buFontTx/>
-              <a:buNone/>
-              <a:defRPr/>
-            </a:pPr>
-            <a:endParaRPr kumimoji="0" lang="zh-CN" altLang="en-US" sz="1800" b="0" i="0" u="none" strike="noStrike" kern="1200" cap="none" spc="0" normalizeH="0" baseline="0" noProof="0">
-              <a:ln>
-                <a:noFill/>
-              </a:ln>
-              <a:solidFill>
-                <a:schemeClr val="lt1"/>
-              </a:solidFill>
-              <a:effectLst/>
-              <a:uLnTx/>
-              <a:uFillTx/>
-              <a:latin typeface="+mn-lt"/>
-              <a:ea typeface="+mn-ea"/>
-              <a:cs typeface="+mn-cs"/>
-            </a:endParaRPr>
-          </a:p>
-        </p:txBody>
-      </p:sp>
-      <p:sp>
-        <p:nvSpPr>
-          <p:cNvPr id="3" name="等腰三角形 2"/>
-          <p:cNvSpPr/>
-          <p:nvPr/>
-        </p:nvSpPr>
-        <p:spPr>
-          <a:xfrm rot="19088536">
-            <a:off x="7283450" y="-541337"/>
-            <a:ext cx="2414588" cy="9158288"/>
-          </a:xfrm>
-          <a:custGeom>
-            <a:avLst/>
-            <a:gdLst>
-              <a:gd name="connsiteX0" fmla="*/ 0 w 1117600"/>
-              <a:gd name="connsiteY0" fmla="*/ 5702300 h 5702300"/>
-              <a:gd name="connsiteX1" fmla="*/ 558800 w 1117600"/>
-              <a:gd name="connsiteY1" fmla="*/ 0 h 5702300"/>
-              <a:gd name="connsiteX2" fmla="*/ 1117600 w 1117600"/>
-              <a:gd name="connsiteY2" fmla="*/ 5702300 h 5702300"/>
-              <a:gd name="connsiteX3" fmla="*/ 0 w 1117600"/>
-              <a:gd name="connsiteY3" fmla="*/ 5702300 h 5702300"/>
-              <a:gd name="connsiteX0-1" fmla="*/ 0 w 2070142"/>
-              <a:gd name="connsiteY0-2" fmla="*/ 5702300 h 7817508"/>
-              <a:gd name="connsiteX1-3" fmla="*/ 558800 w 2070142"/>
-              <a:gd name="connsiteY1-4" fmla="*/ 0 h 7817508"/>
-              <a:gd name="connsiteX2-5" fmla="*/ 2070142 w 2070142"/>
-              <a:gd name="connsiteY2-6" fmla="*/ 7817508 h 7817508"/>
-              <a:gd name="connsiteX3-7" fmla="*/ 0 w 2070142"/>
-              <a:gd name="connsiteY3-8" fmla="*/ 5702300 h 7817508"/>
-              <a:gd name="connsiteX0-9" fmla="*/ 0 w 2414257"/>
-              <a:gd name="connsiteY0-10" fmla="*/ 6314781 h 7817508"/>
-              <a:gd name="connsiteX1-11" fmla="*/ 902915 w 2414257"/>
-              <a:gd name="connsiteY1-12" fmla="*/ 0 h 7817508"/>
-              <a:gd name="connsiteX2-13" fmla="*/ 2414257 w 2414257"/>
-              <a:gd name="connsiteY2-14" fmla="*/ 7817508 h 7817508"/>
-              <a:gd name="connsiteX3-15" fmla="*/ 0 w 2414257"/>
-              <a:gd name="connsiteY3-16" fmla="*/ 6314781 h 7817508"/>
-              <a:gd name="connsiteX0-17" fmla="*/ 0 w 2414257"/>
-              <a:gd name="connsiteY0-18" fmla="*/ 6314781 h 7817508"/>
-              <a:gd name="connsiteX1-19" fmla="*/ 902915 w 2414257"/>
-              <a:gd name="connsiteY1-20" fmla="*/ 0 h 7817508"/>
-              <a:gd name="connsiteX2-21" fmla="*/ 2414257 w 2414257"/>
-              <a:gd name="connsiteY2-22" fmla="*/ 7817508 h 7817508"/>
-              <a:gd name="connsiteX3-23" fmla="*/ 1191330 w 2414257"/>
-              <a:gd name="connsiteY3-24" fmla="*/ 7039908 h 7817508"/>
-              <a:gd name="connsiteX4" fmla="*/ 0 w 2414257"/>
-              <a:gd name="connsiteY4" fmla="*/ 6314781 h 7817508"/>
-              <a:gd name="connsiteX0-25" fmla="*/ 0 w 2414257"/>
-              <a:gd name="connsiteY0-26" fmla="*/ 6314781 h 8205626"/>
-              <a:gd name="connsiteX1-27" fmla="*/ 902915 w 2414257"/>
-              <a:gd name="connsiteY1-28" fmla="*/ 0 h 8205626"/>
-              <a:gd name="connsiteX2-29" fmla="*/ 2414257 w 2414257"/>
-              <a:gd name="connsiteY2-30" fmla="*/ 7817508 h 8205626"/>
-              <a:gd name="connsiteX3-31" fmla="*/ 2073759 w 2414257"/>
-              <a:gd name="connsiteY3-32" fmla="*/ 8205626 h 8205626"/>
-              <a:gd name="connsiteX4-33" fmla="*/ 0 w 2414257"/>
-              <a:gd name="connsiteY4-34" fmla="*/ 6314781 h 8205626"/>
-              <a:gd name="connsiteX0-35" fmla="*/ 0 w 2414257"/>
-              <a:gd name="connsiteY0-36" fmla="*/ 6436203 h 8327048"/>
-              <a:gd name="connsiteX1-37" fmla="*/ 329641 w 2414257"/>
-              <a:gd name="connsiteY1-38" fmla="*/ 0 h 8327048"/>
-              <a:gd name="connsiteX2-39" fmla="*/ 2414257 w 2414257"/>
-              <a:gd name="connsiteY2-40" fmla="*/ 7938930 h 8327048"/>
-              <a:gd name="connsiteX3-41" fmla="*/ 2073759 w 2414257"/>
-              <a:gd name="connsiteY3-42" fmla="*/ 8327048 h 8327048"/>
-              <a:gd name="connsiteX4-43" fmla="*/ 0 w 2414257"/>
-              <a:gd name="connsiteY4-44" fmla="*/ 6436203 h 8327048"/>
-              <a:gd name="connsiteX0-45" fmla="*/ 0 w 2414257"/>
-              <a:gd name="connsiteY0-46" fmla="*/ 6431068 h 8321913"/>
-              <a:gd name="connsiteX1-47" fmla="*/ 563761 w 2414257"/>
-              <a:gd name="connsiteY1-48" fmla="*/ 0 h 8321913"/>
-              <a:gd name="connsiteX2-49" fmla="*/ 2414257 w 2414257"/>
-              <a:gd name="connsiteY2-50" fmla="*/ 7933795 h 8321913"/>
-              <a:gd name="connsiteX3-51" fmla="*/ 2073759 w 2414257"/>
-              <a:gd name="connsiteY3-52" fmla="*/ 8321913 h 8321913"/>
-              <a:gd name="connsiteX4-53" fmla="*/ 0 w 2414257"/>
-              <a:gd name="connsiteY4-54" fmla="*/ 6431068 h 8321913"/>
-              <a:gd name="connsiteX0-55" fmla="*/ 0 w 2414257"/>
-              <a:gd name="connsiteY0-56" fmla="*/ 7267650 h 9158495"/>
-              <a:gd name="connsiteX1-57" fmla="*/ 239027 w 2414257"/>
-              <a:gd name="connsiteY1-58" fmla="*/ 0 h 9158495"/>
-              <a:gd name="connsiteX2-59" fmla="*/ 2414257 w 2414257"/>
-              <a:gd name="connsiteY2-60" fmla="*/ 8770377 h 9158495"/>
-              <a:gd name="connsiteX3-61" fmla="*/ 2073759 w 2414257"/>
-              <a:gd name="connsiteY3-62" fmla="*/ 9158495 h 9158495"/>
-              <a:gd name="connsiteX4-63" fmla="*/ 0 w 2414257"/>
-              <a:gd name="connsiteY4-64" fmla="*/ 7267650 h 9158495"/>
-            </a:gdLst>
-            <a:ahLst/>
-            <a:cxnLst>
-              <a:cxn ang="0">
-                <a:pos x="connsiteX0-1" y="connsiteY0-2"/>
-              </a:cxn>
-              <a:cxn ang="0">
-                <a:pos x="connsiteX1-3" y="connsiteY1-4"/>
-              </a:cxn>
-              <a:cxn ang="0">
-                <a:pos x="connsiteX2-5" y="connsiteY2-6"/>
-              </a:cxn>
-              <a:cxn ang="0">
-                <a:pos x="connsiteX3-7" y="connsiteY3-8"/>
-              </a:cxn>
-              <a:cxn ang="0">
-                <a:pos x="connsiteX4-33" y="connsiteY4-34"/>
-              </a:cxn>
-            </a:cxnLst>
-            <a:rect l="l" t="t" r="r" b="b"/>
-            <a:pathLst>
-              <a:path w="2414257" h="9158495">
-                <a:moveTo>
-                  <a:pt x="0" y="7267650"/>
-                </a:moveTo>
-                <a:lnTo>
-                  <a:pt x="239027" y="0"/>
-                </a:lnTo>
-                <a:lnTo>
-                  <a:pt x="2414257" y="8770377"/>
-                </a:lnTo>
-                <a:lnTo>
-                  <a:pt x="2073759" y="9158495"/>
-                </a:lnTo>
-                <a:lnTo>
-                  <a:pt x="0" y="7267650"/>
-                </a:lnTo>
-                <a:close/>
-              </a:path>
-            </a:pathLst>
-          </a:custGeom>
-          <a:solidFill>
-            <a:srgbClr val="C4C4C4"/>
-          </a:solidFill>
-          <a:ln>
-            <a:noFill/>
-          </a:ln>
-        </p:spPr>
-        <p:style>
-          <a:lnRef idx="2">
-            <a:schemeClr val="accent1">
-              <a:shade val="50000"/>
-            </a:schemeClr>
-          </a:lnRef>
-          <a:fillRef idx="1">
-            <a:schemeClr val="accent1"/>
-          </a:fillRef>
-          <a:effectRef idx="0">
-            <a:schemeClr val="accent1"/>
-          </a:effectRef>
-          <a:fontRef idx="minor">
-            <a:schemeClr val="lt1"/>
-          </a:fontRef>
-        </p:style>
-        <p:txBody>
-          <a:bodyPr anchor="ctr"/>
-          <a:lstStyle/>
-          <a:p>
-            <a:pPr marL="0" marR="0" lvl="0" indent="0" algn="ctr" defTabSz="914400" rtl="0" eaLnBrk="1" fontAlgn="auto" latinLnBrk="0" hangingPunct="1">
-              <a:lnSpc>
-                <a:spcPct val="100000"/>
-              </a:lnSpc>
-              <a:spcBef>
-                <a:spcPts val="0"/>
-              </a:spcBef>
-              <a:spcAft>
-                <a:spcPts val="0"/>
-              </a:spcAft>
-              <a:buClrTx/>
-              <a:buSzTx/>
-              <a:buFontTx/>
-              <a:buNone/>
-              <a:defRPr/>
-            </a:pPr>
-            <a:endParaRPr kumimoji="0" lang="zh-CN" altLang="en-US" sz="1800" b="0" i="0" u="none" strike="noStrike" kern="1200" cap="none" spc="0" normalizeH="0" baseline="0" noProof="0">
-              <a:ln>
-                <a:noFill/>
-              </a:ln>
-              <a:solidFill>
-                <a:schemeClr val="lt1"/>
-              </a:solidFill>
-              <a:effectLst/>
-              <a:uLnTx/>
-              <a:uFillTx/>
-              <a:latin typeface="+mn-lt"/>
-              <a:ea typeface="+mn-ea"/>
-              <a:cs typeface="+mn-cs"/>
-            </a:endParaRPr>
-          </a:p>
-        </p:txBody>
-      </p:sp>
-      <p:sp>
-        <p:nvSpPr>
-          <p:cNvPr id="8" name="任意多边形 7"/>
-          <p:cNvSpPr/>
-          <p:nvPr/>
-        </p:nvSpPr>
-        <p:spPr>
-          <a:xfrm rot="7572289">
-            <a:off x="5132388" y="-1582737"/>
-            <a:ext cx="741363" cy="6269038"/>
-          </a:xfrm>
-          <a:custGeom>
-            <a:avLst/>
-            <a:gdLst>
-              <a:gd name="connsiteX0" fmla="*/ 742650 w 742650"/>
-              <a:gd name="connsiteY0" fmla="*/ 6268899 h 6268899"/>
-              <a:gd name="connsiteX1" fmla="*/ 0 w 742650"/>
-              <a:gd name="connsiteY1" fmla="*/ 5254376 h 6268899"/>
-              <a:gd name="connsiteX2" fmla="*/ 242314 w 742650"/>
-              <a:gd name="connsiteY2" fmla="*/ 0 h 6268899"/>
-            </a:gdLst>
-            <a:ahLst/>
-            <a:cxnLst>
-              <a:cxn ang="0">
-                <a:pos x="connsiteX0" y="connsiteY0"/>
-              </a:cxn>
-              <a:cxn ang="0">
-                <a:pos x="connsiteX1" y="connsiteY1"/>
-              </a:cxn>
-              <a:cxn ang="0">
-                <a:pos x="connsiteX2" y="connsiteY2"/>
-              </a:cxn>
-            </a:cxnLst>
-            <a:rect l="l" t="t" r="r" b="b"/>
-            <a:pathLst>
-              <a:path w="742650" h="6268899">
-                <a:moveTo>
-                  <a:pt x="742650" y="6268899"/>
-                </a:moveTo>
-                <a:lnTo>
-                  <a:pt x="0" y="5254376"/>
-                </a:lnTo>
-                <a:lnTo>
-                  <a:pt x="242314" y="0"/>
-                </a:lnTo>
-                <a:close/>
-              </a:path>
-            </a:pathLst>
-          </a:custGeom>
-          <a:solidFill>
-            <a:srgbClr val="F0B931"/>
-          </a:solidFill>
-          <a:ln>
-            <a:noFill/>
-          </a:ln>
-        </p:spPr>
-        <p:style>
-          <a:lnRef idx="2">
-            <a:schemeClr val="accent1">
-              <a:shade val="50000"/>
-            </a:schemeClr>
-          </a:lnRef>
-          <a:fillRef idx="1">
-            <a:schemeClr val="accent1"/>
-          </a:fillRef>
-          <a:effectRef idx="0">
-            <a:schemeClr val="accent1"/>
-          </a:effectRef>
-          <a:fontRef idx="minor">
-            <a:schemeClr val="lt1"/>
-          </a:fontRef>
-        </p:style>
-        <p:txBody>
-          <a:bodyPr anchor="ctr"/>
-          <a:lstStyle/>
-          <a:p>
-            <a:pPr marL="0" marR="0" lvl="0" indent="0" algn="ctr" defTabSz="914400" rtl="0" eaLnBrk="1" fontAlgn="auto" latinLnBrk="0" hangingPunct="1">
-              <a:lnSpc>
-                <a:spcPct val="100000"/>
-              </a:lnSpc>
-              <a:spcBef>
-                <a:spcPts val="0"/>
-              </a:spcBef>
-              <a:spcAft>
-                <a:spcPts val="0"/>
-              </a:spcAft>
-              <a:buClrTx/>
-              <a:buSzTx/>
-              <a:buFontTx/>
-              <a:buNone/>
-              <a:defRPr/>
-            </a:pPr>
-            <a:endParaRPr kumimoji="0" lang="zh-CN" altLang="en-US" sz="1800" b="0" i="0" u="none" strike="noStrike" kern="1200" cap="none" spc="0" normalizeH="0" baseline="0" noProof="0">
-              <a:ln>
-                <a:noFill/>
-              </a:ln>
-              <a:solidFill>
-                <a:schemeClr val="lt1"/>
-              </a:solidFill>
-              <a:effectLst/>
-              <a:uLnTx/>
-              <a:uFillTx/>
-              <a:latin typeface="+mn-lt"/>
-              <a:ea typeface="+mn-ea"/>
-              <a:cs typeface="+mn-cs"/>
-            </a:endParaRPr>
-          </a:p>
-        </p:txBody>
-      </p:sp>
-      <p:pic>
-        <p:nvPicPr>
-          <p:cNvPr id="5" name="Picture 4" descr="python-logo"/>
-          <p:cNvPicPr>
-            <a:picLocks noChangeAspect="1"/>
-          </p:cNvPicPr>
-          <p:nvPr/>
-        </p:nvPicPr>
-        <p:blipFill>
-          <a:blip r:embed="rId2"/>
-          <a:stretch>
-            <a:fillRect/>
-          </a:stretch>
-        </p:blipFill>
-        <p:spPr>
-          <a:xfrm>
-            <a:off x="8762365" y="38150"/>
-            <a:ext cx="3683000" cy="1041400"/>
-          </a:xfrm>
-          <a:prstGeom prst="rect">
-            <a:avLst/>
-          </a:prstGeom>
-        </p:spPr>
-      </p:pic>
-      <p:sp>
-        <p:nvSpPr>
-          <p:cNvPr id="4" name="Rectangle 3"/>
-          <p:cNvSpPr/>
-          <p:nvPr/>
-        </p:nvSpPr>
-        <p:spPr>
-          <a:xfrm>
-            <a:off x="116369" y="38150"/>
-            <a:ext cx="6543738" cy="1323439"/>
-          </a:xfrm>
-          <a:prstGeom prst="rect">
-            <a:avLst/>
-          </a:prstGeom>
-          <a:noFill/>
-        </p:spPr>
-        <p:txBody>
-          <a:bodyPr wrap="square" rtlCol="0" anchor="t">
-            <a:spAutoFit/>
-          </a:bodyPr>
-          <a:lstStyle/>
-          <a:p>
-            <a:r>
-              <a:rPr lang="en-US" sz="4000" b="1" dirty="0"/>
-              <a:t>Threads</a:t>
-            </a:r>
-          </a:p>
-          <a:p>
-            <a:endParaRPr lang="en-US" sz="4000" dirty="0"/>
-          </a:p>
-        </p:txBody>
-      </p:sp>
-      <p:sp>
-        <p:nvSpPr>
-          <p:cNvPr id="10" name="Rectangle 9"/>
-          <p:cNvSpPr/>
-          <p:nvPr/>
-        </p:nvSpPr>
-        <p:spPr>
-          <a:xfrm>
-            <a:off x="8563525" y="6491605"/>
-            <a:ext cx="4080680" cy="369332"/>
-          </a:xfrm>
-          <a:prstGeom prst="rect">
-            <a:avLst/>
-          </a:prstGeom>
-        </p:spPr>
-        <p:txBody>
-          <a:bodyPr wrap="square">
-            <a:spAutoFit/>
-          </a:bodyPr>
-          <a:lstStyle/>
-          <a:p>
-            <a:pPr algn="ctr"/>
-            <a:r>
-              <a:rPr lang="en-US" dirty="0" smtClean="0">
-                <a:latin typeface="Verdana" panose="020B0604030504040204" pitchFamily="34" charset="0"/>
-                <a:ea typeface="Verdana" panose="020B0604030504040204" pitchFamily="34" charset="0"/>
-              </a:rPr>
-              <a:t>Python </a:t>
-            </a:r>
-            <a:r>
-              <a:rPr lang="en-US" dirty="0">
-                <a:latin typeface="Verdana" panose="020B0604030504040204" pitchFamily="34" charset="0"/>
-                <a:ea typeface="Verdana" panose="020B0604030504040204" pitchFamily="34" charset="0"/>
-              </a:rPr>
-              <a:t>RegEx &amp; </a:t>
-            </a:r>
-            <a:r>
-              <a:rPr lang="en-US" dirty="0" smtClean="0">
-                <a:latin typeface="Verdana" panose="020B0604030504040204" pitchFamily="34" charset="0"/>
-                <a:ea typeface="Verdana" panose="020B0604030504040204" pitchFamily="34" charset="0"/>
-              </a:rPr>
-              <a:t>Decorators</a:t>
-            </a:r>
-            <a:endParaRPr lang="en-US" dirty="0">
-              <a:latin typeface="Verdana" panose="020B0604030504040204" pitchFamily="34" charset="0"/>
-              <a:ea typeface="Verdana" panose="020B0604030504040204" pitchFamily="34" charset="0"/>
-            </a:endParaRPr>
-          </a:p>
-        </p:txBody>
-      </p:sp>
-    </p:spTree>
-    <p:extLst>
-      <p:ext uri="{BB962C8B-B14F-4D97-AF65-F5344CB8AC3E}">
-        <p14:creationId xmlns:p14="http://schemas.microsoft.com/office/powerpoint/2010/main" val="481209724"/>
-      </p:ext>
-    </p:extLst>
-  </p:cSld>
-  <p:clrMapOvr>
-    <a:masterClrMapping/>
-  </p:clrMapOvr>
-  <p:timing>
-    <p:tnLst>
-      <p:par>
-        <p:cTn id="1" dur="indefinite" restart="never" nodeType="tmRoot"/>
-      </p:par>
-    </p:tnLst>
-  </p:timing>
-</p:sld>
-</file>
-
-<file path=ppt/slides/slide21.xml><?xml version="1.0" encoding="utf-8"?>
-<p:sld xmlns:a="http://schemas.openxmlformats.org/drawingml/2006/main" xmlns:r="http://schemas.openxmlformats.org/officeDocument/2006/relationships" xmlns:p="http://schemas.openxmlformats.org/presentationml/2006/main">
-  <p:cSld>
-    <p:spTree>
-      <p:nvGrpSpPr>
-        <p:cNvPr id="1" name=""/>
-        <p:cNvGrpSpPr/>
-        <p:nvPr/>
-      </p:nvGrpSpPr>
-      <p:grpSpPr>
-        <a:xfrm>
-          <a:off x="0" y="0"/>
-          <a:ext cx="0" cy="0"/>
-          <a:chOff x="0" y="0"/>
-          <a:chExt cx="0" cy="0"/>
-        </a:xfrm>
-      </p:grpSpPr>
-      <p:sp>
-        <p:nvSpPr>
-          <p:cNvPr id="2" name="直角三角形 1"/>
-          <p:cNvSpPr/>
-          <p:nvPr/>
-        </p:nvSpPr>
-        <p:spPr>
-          <a:xfrm flipH="1" flipV="1">
-            <a:off x="4076700" y="0"/>
-            <a:ext cx="8115300" cy="6273800"/>
-          </a:xfrm>
-          <a:prstGeom prst="rtTriangle">
-            <a:avLst/>
-          </a:prstGeom>
-          <a:solidFill>
-            <a:srgbClr val="747472"/>
-          </a:solidFill>
-          <a:ln>
-            <a:noFill/>
-          </a:ln>
-        </p:spPr>
-        <p:style>
-          <a:lnRef idx="2">
-            <a:schemeClr val="accent1">
-              <a:shade val="50000"/>
-            </a:schemeClr>
-          </a:lnRef>
-          <a:fillRef idx="1">
-            <a:schemeClr val="accent1"/>
-          </a:fillRef>
-          <a:effectRef idx="0">
-            <a:schemeClr val="accent1"/>
-          </a:effectRef>
-          <a:fontRef idx="minor">
-            <a:schemeClr val="lt1"/>
-          </a:fontRef>
-        </p:style>
-        <p:txBody>
-          <a:bodyPr anchor="ctr"/>
-          <a:lstStyle/>
-          <a:p>
-            <a:pPr marL="0" marR="0" lvl="0" indent="0" algn="ctr" defTabSz="914400" rtl="0" eaLnBrk="1" fontAlgn="auto" latinLnBrk="0" hangingPunct="1">
-              <a:lnSpc>
-                <a:spcPct val="100000"/>
-              </a:lnSpc>
-              <a:spcBef>
-                <a:spcPts val="0"/>
-              </a:spcBef>
-              <a:spcAft>
-                <a:spcPts val="0"/>
-              </a:spcAft>
-              <a:buClrTx/>
-              <a:buSzTx/>
-              <a:buFontTx/>
-              <a:buNone/>
-              <a:defRPr/>
-            </a:pPr>
-            <a:endParaRPr kumimoji="0" lang="zh-CN" altLang="en-US" sz="1800" b="0" i="0" u="none" strike="noStrike" kern="1200" cap="none" spc="0" normalizeH="0" baseline="0" noProof="0">
-              <a:ln>
-                <a:noFill/>
-              </a:ln>
-              <a:solidFill>
-                <a:schemeClr val="lt1"/>
-              </a:solidFill>
-              <a:effectLst/>
-              <a:uLnTx/>
-              <a:uFillTx/>
-              <a:latin typeface="+mn-lt"/>
-              <a:ea typeface="+mn-ea"/>
-              <a:cs typeface="+mn-cs"/>
-            </a:endParaRPr>
-          </a:p>
-        </p:txBody>
-      </p:sp>
-      <p:sp>
-        <p:nvSpPr>
-          <p:cNvPr id="3" name="等腰三角形 2"/>
-          <p:cNvSpPr/>
-          <p:nvPr/>
-        </p:nvSpPr>
-        <p:spPr>
-          <a:xfrm rot="19088536">
-            <a:off x="7283450" y="-541337"/>
-            <a:ext cx="2414588" cy="9158288"/>
-          </a:xfrm>
-          <a:custGeom>
-            <a:avLst/>
-            <a:gdLst>
-              <a:gd name="connsiteX0" fmla="*/ 0 w 1117600"/>
-              <a:gd name="connsiteY0" fmla="*/ 5702300 h 5702300"/>
-              <a:gd name="connsiteX1" fmla="*/ 558800 w 1117600"/>
-              <a:gd name="connsiteY1" fmla="*/ 0 h 5702300"/>
-              <a:gd name="connsiteX2" fmla="*/ 1117600 w 1117600"/>
-              <a:gd name="connsiteY2" fmla="*/ 5702300 h 5702300"/>
-              <a:gd name="connsiteX3" fmla="*/ 0 w 1117600"/>
-              <a:gd name="connsiteY3" fmla="*/ 5702300 h 5702300"/>
-              <a:gd name="connsiteX0-1" fmla="*/ 0 w 2070142"/>
-              <a:gd name="connsiteY0-2" fmla="*/ 5702300 h 7817508"/>
-              <a:gd name="connsiteX1-3" fmla="*/ 558800 w 2070142"/>
-              <a:gd name="connsiteY1-4" fmla="*/ 0 h 7817508"/>
-              <a:gd name="connsiteX2-5" fmla="*/ 2070142 w 2070142"/>
-              <a:gd name="connsiteY2-6" fmla="*/ 7817508 h 7817508"/>
-              <a:gd name="connsiteX3-7" fmla="*/ 0 w 2070142"/>
-              <a:gd name="connsiteY3-8" fmla="*/ 5702300 h 7817508"/>
-              <a:gd name="connsiteX0-9" fmla="*/ 0 w 2414257"/>
-              <a:gd name="connsiteY0-10" fmla="*/ 6314781 h 7817508"/>
-              <a:gd name="connsiteX1-11" fmla="*/ 902915 w 2414257"/>
-              <a:gd name="connsiteY1-12" fmla="*/ 0 h 7817508"/>
-              <a:gd name="connsiteX2-13" fmla="*/ 2414257 w 2414257"/>
-              <a:gd name="connsiteY2-14" fmla="*/ 7817508 h 7817508"/>
-              <a:gd name="connsiteX3-15" fmla="*/ 0 w 2414257"/>
-              <a:gd name="connsiteY3-16" fmla="*/ 6314781 h 7817508"/>
-              <a:gd name="connsiteX0-17" fmla="*/ 0 w 2414257"/>
-              <a:gd name="connsiteY0-18" fmla="*/ 6314781 h 7817508"/>
-              <a:gd name="connsiteX1-19" fmla="*/ 902915 w 2414257"/>
-              <a:gd name="connsiteY1-20" fmla="*/ 0 h 7817508"/>
-              <a:gd name="connsiteX2-21" fmla="*/ 2414257 w 2414257"/>
-              <a:gd name="connsiteY2-22" fmla="*/ 7817508 h 7817508"/>
-              <a:gd name="connsiteX3-23" fmla="*/ 1191330 w 2414257"/>
-              <a:gd name="connsiteY3-24" fmla="*/ 7039908 h 7817508"/>
-              <a:gd name="connsiteX4" fmla="*/ 0 w 2414257"/>
-              <a:gd name="connsiteY4" fmla="*/ 6314781 h 7817508"/>
-              <a:gd name="connsiteX0-25" fmla="*/ 0 w 2414257"/>
-              <a:gd name="connsiteY0-26" fmla="*/ 6314781 h 8205626"/>
-              <a:gd name="connsiteX1-27" fmla="*/ 902915 w 2414257"/>
-              <a:gd name="connsiteY1-28" fmla="*/ 0 h 8205626"/>
-              <a:gd name="connsiteX2-29" fmla="*/ 2414257 w 2414257"/>
-              <a:gd name="connsiteY2-30" fmla="*/ 7817508 h 8205626"/>
-              <a:gd name="connsiteX3-31" fmla="*/ 2073759 w 2414257"/>
-              <a:gd name="connsiteY3-32" fmla="*/ 8205626 h 8205626"/>
-              <a:gd name="connsiteX4-33" fmla="*/ 0 w 2414257"/>
-              <a:gd name="connsiteY4-34" fmla="*/ 6314781 h 8205626"/>
-              <a:gd name="connsiteX0-35" fmla="*/ 0 w 2414257"/>
-              <a:gd name="connsiteY0-36" fmla="*/ 6436203 h 8327048"/>
-              <a:gd name="connsiteX1-37" fmla="*/ 329641 w 2414257"/>
-              <a:gd name="connsiteY1-38" fmla="*/ 0 h 8327048"/>
-              <a:gd name="connsiteX2-39" fmla="*/ 2414257 w 2414257"/>
-              <a:gd name="connsiteY2-40" fmla="*/ 7938930 h 8327048"/>
-              <a:gd name="connsiteX3-41" fmla="*/ 2073759 w 2414257"/>
-              <a:gd name="connsiteY3-42" fmla="*/ 8327048 h 8327048"/>
-              <a:gd name="connsiteX4-43" fmla="*/ 0 w 2414257"/>
-              <a:gd name="connsiteY4-44" fmla="*/ 6436203 h 8327048"/>
-              <a:gd name="connsiteX0-45" fmla="*/ 0 w 2414257"/>
-              <a:gd name="connsiteY0-46" fmla="*/ 6431068 h 8321913"/>
-              <a:gd name="connsiteX1-47" fmla="*/ 563761 w 2414257"/>
-              <a:gd name="connsiteY1-48" fmla="*/ 0 h 8321913"/>
-              <a:gd name="connsiteX2-49" fmla="*/ 2414257 w 2414257"/>
-              <a:gd name="connsiteY2-50" fmla="*/ 7933795 h 8321913"/>
-              <a:gd name="connsiteX3-51" fmla="*/ 2073759 w 2414257"/>
-              <a:gd name="connsiteY3-52" fmla="*/ 8321913 h 8321913"/>
-              <a:gd name="connsiteX4-53" fmla="*/ 0 w 2414257"/>
-              <a:gd name="connsiteY4-54" fmla="*/ 6431068 h 8321913"/>
-              <a:gd name="connsiteX0-55" fmla="*/ 0 w 2414257"/>
-              <a:gd name="connsiteY0-56" fmla="*/ 7267650 h 9158495"/>
-              <a:gd name="connsiteX1-57" fmla="*/ 239027 w 2414257"/>
-              <a:gd name="connsiteY1-58" fmla="*/ 0 h 9158495"/>
-              <a:gd name="connsiteX2-59" fmla="*/ 2414257 w 2414257"/>
-              <a:gd name="connsiteY2-60" fmla="*/ 8770377 h 9158495"/>
-              <a:gd name="connsiteX3-61" fmla="*/ 2073759 w 2414257"/>
-              <a:gd name="connsiteY3-62" fmla="*/ 9158495 h 9158495"/>
-              <a:gd name="connsiteX4-63" fmla="*/ 0 w 2414257"/>
-              <a:gd name="connsiteY4-64" fmla="*/ 7267650 h 9158495"/>
-            </a:gdLst>
-            <a:ahLst/>
-            <a:cxnLst>
-              <a:cxn ang="0">
-                <a:pos x="connsiteX0-1" y="connsiteY0-2"/>
-              </a:cxn>
-              <a:cxn ang="0">
-                <a:pos x="connsiteX1-3" y="connsiteY1-4"/>
-              </a:cxn>
-              <a:cxn ang="0">
-                <a:pos x="connsiteX2-5" y="connsiteY2-6"/>
-              </a:cxn>
-              <a:cxn ang="0">
-                <a:pos x="connsiteX3-7" y="connsiteY3-8"/>
-              </a:cxn>
-              <a:cxn ang="0">
-                <a:pos x="connsiteX4-33" y="connsiteY4-34"/>
-              </a:cxn>
-            </a:cxnLst>
-            <a:rect l="l" t="t" r="r" b="b"/>
-            <a:pathLst>
-              <a:path w="2414257" h="9158495">
-                <a:moveTo>
-                  <a:pt x="0" y="7267650"/>
-                </a:moveTo>
-                <a:lnTo>
-                  <a:pt x="239027" y="0"/>
-                </a:lnTo>
-                <a:lnTo>
-                  <a:pt x="2414257" y="8770377"/>
-                </a:lnTo>
-                <a:lnTo>
-                  <a:pt x="2073759" y="9158495"/>
-                </a:lnTo>
-                <a:lnTo>
-                  <a:pt x="0" y="7267650"/>
-                </a:lnTo>
-                <a:close/>
-              </a:path>
-            </a:pathLst>
-          </a:custGeom>
-          <a:solidFill>
-            <a:srgbClr val="C4C4C4"/>
-          </a:solidFill>
-          <a:ln>
-            <a:noFill/>
-          </a:ln>
-        </p:spPr>
-        <p:style>
-          <a:lnRef idx="2">
-            <a:schemeClr val="accent1">
-              <a:shade val="50000"/>
-            </a:schemeClr>
-          </a:lnRef>
-          <a:fillRef idx="1">
-            <a:schemeClr val="accent1"/>
-          </a:fillRef>
-          <a:effectRef idx="0">
-            <a:schemeClr val="accent1"/>
-          </a:effectRef>
-          <a:fontRef idx="minor">
-            <a:schemeClr val="lt1"/>
-          </a:fontRef>
-        </p:style>
-        <p:txBody>
-          <a:bodyPr anchor="ctr"/>
-          <a:lstStyle/>
-          <a:p>
-            <a:pPr marL="0" marR="0" lvl="0" indent="0" algn="ctr" defTabSz="914400" rtl="0" eaLnBrk="1" fontAlgn="auto" latinLnBrk="0" hangingPunct="1">
-              <a:lnSpc>
-                <a:spcPct val="100000"/>
-              </a:lnSpc>
-              <a:spcBef>
-                <a:spcPts val="0"/>
-              </a:spcBef>
-              <a:spcAft>
-                <a:spcPts val="0"/>
-              </a:spcAft>
-              <a:buClrTx/>
-              <a:buSzTx/>
-              <a:buFontTx/>
-              <a:buNone/>
-              <a:defRPr/>
-            </a:pPr>
-            <a:endParaRPr kumimoji="0" lang="zh-CN" altLang="en-US" sz="1800" b="0" i="0" u="none" strike="noStrike" kern="1200" cap="none" spc="0" normalizeH="0" baseline="0" noProof="0">
-              <a:ln>
-                <a:noFill/>
-              </a:ln>
-              <a:solidFill>
-                <a:schemeClr val="lt1"/>
-              </a:solidFill>
-              <a:effectLst/>
-              <a:uLnTx/>
-              <a:uFillTx/>
-              <a:latin typeface="+mn-lt"/>
-              <a:ea typeface="+mn-ea"/>
-              <a:cs typeface="+mn-cs"/>
-            </a:endParaRPr>
-          </a:p>
-        </p:txBody>
-      </p:sp>
-      <p:sp>
-        <p:nvSpPr>
-          <p:cNvPr id="8" name="任意多边形 7"/>
-          <p:cNvSpPr/>
-          <p:nvPr/>
-        </p:nvSpPr>
-        <p:spPr>
-          <a:xfrm rot="7572289">
-            <a:off x="5132388" y="-1582737"/>
-            <a:ext cx="741363" cy="6269038"/>
-          </a:xfrm>
-          <a:custGeom>
-            <a:avLst/>
-            <a:gdLst>
-              <a:gd name="connsiteX0" fmla="*/ 742650 w 742650"/>
-              <a:gd name="connsiteY0" fmla="*/ 6268899 h 6268899"/>
-              <a:gd name="connsiteX1" fmla="*/ 0 w 742650"/>
-              <a:gd name="connsiteY1" fmla="*/ 5254376 h 6268899"/>
-              <a:gd name="connsiteX2" fmla="*/ 242314 w 742650"/>
-              <a:gd name="connsiteY2" fmla="*/ 0 h 6268899"/>
-            </a:gdLst>
-            <a:ahLst/>
-            <a:cxnLst>
-              <a:cxn ang="0">
-                <a:pos x="connsiteX0" y="connsiteY0"/>
-              </a:cxn>
-              <a:cxn ang="0">
-                <a:pos x="connsiteX1" y="connsiteY1"/>
-              </a:cxn>
-              <a:cxn ang="0">
-                <a:pos x="connsiteX2" y="connsiteY2"/>
-              </a:cxn>
-            </a:cxnLst>
-            <a:rect l="l" t="t" r="r" b="b"/>
-            <a:pathLst>
-              <a:path w="742650" h="6268899">
-                <a:moveTo>
-                  <a:pt x="742650" y="6268899"/>
-                </a:moveTo>
-                <a:lnTo>
-                  <a:pt x="0" y="5254376"/>
-                </a:lnTo>
-                <a:lnTo>
-                  <a:pt x="242314" y="0"/>
-                </a:lnTo>
-                <a:close/>
-              </a:path>
-            </a:pathLst>
-          </a:custGeom>
-          <a:solidFill>
-            <a:srgbClr val="F0B931"/>
-          </a:solidFill>
-          <a:ln>
-            <a:noFill/>
-          </a:ln>
-        </p:spPr>
-        <p:style>
-          <a:lnRef idx="2">
-            <a:schemeClr val="accent1">
-              <a:shade val="50000"/>
-            </a:schemeClr>
-          </a:lnRef>
-          <a:fillRef idx="1">
-            <a:schemeClr val="accent1"/>
-          </a:fillRef>
-          <a:effectRef idx="0">
-            <a:schemeClr val="accent1"/>
-          </a:effectRef>
-          <a:fontRef idx="minor">
-            <a:schemeClr val="lt1"/>
-          </a:fontRef>
-        </p:style>
-        <p:txBody>
-          <a:bodyPr anchor="ctr"/>
-          <a:lstStyle/>
-          <a:p>
-            <a:pPr marL="0" marR="0" lvl="0" indent="0" algn="ctr" defTabSz="914400" rtl="0" eaLnBrk="1" fontAlgn="auto" latinLnBrk="0" hangingPunct="1">
-              <a:lnSpc>
-                <a:spcPct val="100000"/>
-              </a:lnSpc>
-              <a:spcBef>
-                <a:spcPts val="0"/>
-              </a:spcBef>
-              <a:spcAft>
-                <a:spcPts val="0"/>
-              </a:spcAft>
-              <a:buClrTx/>
-              <a:buSzTx/>
-              <a:buFontTx/>
-              <a:buNone/>
-              <a:defRPr/>
-            </a:pPr>
-            <a:endParaRPr kumimoji="0" lang="zh-CN" altLang="en-US" sz="1800" b="0" i="0" u="none" strike="noStrike" kern="1200" cap="none" spc="0" normalizeH="0" baseline="0" noProof="0">
-              <a:ln>
-                <a:noFill/>
-              </a:ln>
-              <a:solidFill>
-                <a:schemeClr val="lt1"/>
-              </a:solidFill>
-              <a:effectLst/>
-              <a:uLnTx/>
-              <a:uFillTx/>
-              <a:latin typeface="+mn-lt"/>
-              <a:ea typeface="+mn-ea"/>
-              <a:cs typeface="+mn-cs"/>
-            </a:endParaRPr>
-          </a:p>
-        </p:txBody>
-      </p:sp>
-      <p:pic>
-        <p:nvPicPr>
-          <p:cNvPr id="5" name="Picture 4" descr="python-logo"/>
-          <p:cNvPicPr>
-            <a:picLocks noChangeAspect="1"/>
-          </p:cNvPicPr>
-          <p:nvPr/>
-        </p:nvPicPr>
-        <p:blipFill>
-          <a:blip r:embed="rId2"/>
-          <a:stretch>
-            <a:fillRect/>
-          </a:stretch>
-        </p:blipFill>
-        <p:spPr>
-          <a:xfrm>
-            <a:off x="8762365" y="38150"/>
-            <a:ext cx="3683000" cy="1041400"/>
-          </a:xfrm>
-          <a:prstGeom prst="rect">
-            <a:avLst/>
-          </a:prstGeom>
-        </p:spPr>
-      </p:pic>
-      <p:sp>
-        <p:nvSpPr>
-          <p:cNvPr id="4" name="Rectangle 3"/>
-          <p:cNvSpPr/>
-          <p:nvPr/>
-        </p:nvSpPr>
-        <p:spPr>
-          <a:xfrm>
-            <a:off x="116369" y="38150"/>
-            <a:ext cx="6543738" cy="1323439"/>
-          </a:xfrm>
-          <a:prstGeom prst="rect">
-            <a:avLst/>
-          </a:prstGeom>
-          <a:noFill/>
-        </p:spPr>
-        <p:txBody>
-          <a:bodyPr wrap="square" rtlCol="0" anchor="t">
-            <a:spAutoFit/>
-          </a:bodyPr>
-          <a:lstStyle/>
-          <a:p>
-            <a:r>
-              <a:rPr lang="en-US" sz="4000" b="1" dirty="0"/>
-              <a:t>Threads</a:t>
-            </a:r>
-          </a:p>
-          <a:p>
-            <a:endParaRPr lang="en-US" sz="4000" dirty="0"/>
-          </a:p>
-        </p:txBody>
-      </p:sp>
-      <p:sp>
-        <p:nvSpPr>
-          <p:cNvPr id="10" name="Rectangle 9"/>
-          <p:cNvSpPr/>
-          <p:nvPr/>
-        </p:nvSpPr>
-        <p:spPr>
-          <a:xfrm>
-            <a:off x="8563525" y="6491605"/>
-            <a:ext cx="4080680" cy="369332"/>
-          </a:xfrm>
-          <a:prstGeom prst="rect">
-            <a:avLst/>
-          </a:prstGeom>
-        </p:spPr>
-        <p:txBody>
-          <a:bodyPr wrap="square">
-            <a:spAutoFit/>
-          </a:bodyPr>
-          <a:lstStyle/>
-          <a:p>
-            <a:pPr algn="ctr"/>
-            <a:r>
-              <a:rPr lang="en-US" dirty="0" smtClean="0">
-                <a:latin typeface="Verdana" panose="020B0604030504040204" pitchFamily="34" charset="0"/>
-                <a:ea typeface="Verdana" panose="020B0604030504040204" pitchFamily="34" charset="0"/>
-              </a:rPr>
-              <a:t>Python </a:t>
-            </a:r>
-            <a:r>
-              <a:rPr lang="en-US" dirty="0">
-                <a:latin typeface="Verdana" panose="020B0604030504040204" pitchFamily="34" charset="0"/>
-                <a:ea typeface="Verdana" panose="020B0604030504040204" pitchFamily="34" charset="0"/>
-              </a:rPr>
-              <a:t>RegEx &amp; </a:t>
-            </a:r>
-            <a:r>
-              <a:rPr lang="en-US" dirty="0" smtClean="0">
-                <a:latin typeface="Verdana" panose="020B0604030504040204" pitchFamily="34" charset="0"/>
-                <a:ea typeface="Verdana" panose="020B0604030504040204" pitchFamily="34" charset="0"/>
-              </a:rPr>
-              <a:t>Decorators</a:t>
-            </a:r>
-            <a:endParaRPr lang="en-US" dirty="0">
-              <a:latin typeface="Verdana" panose="020B0604030504040204" pitchFamily="34" charset="0"/>
-              <a:ea typeface="Verdana" panose="020B0604030504040204" pitchFamily="34" charset="0"/>
-            </a:endParaRPr>
-          </a:p>
-        </p:txBody>
-      </p:sp>
-    </p:spTree>
-    <p:extLst>
-      <p:ext uri="{BB962C8B-B14F-4D97-AF65-F5344CB8AC3E}">
-        <p14:creationId xmlns:p14="http://schemas.microsoft.com/office/powerpoint/2010/main" val="1050312027"/>
-      </p:ext>
-    </p:extLst>
-  </p:cSld>
-  <p:clrMapOvr>
-    <a:masterClrMapping/>
-  </p:clrMapOvr>
-  <p:timing>
-    <p:tnLst>
-      <p:par>
-        <p:cTn id="1" dur="indefinite" restart="never" nodeType="tmRoot"/>
-      </p:par>
-    </p:tnLst>
-  </p:timing>
-</p:sld>
-</file>
-
-<file path=ppt/slides/slide22.xml><?xml version="1.0" encoding="utf-8"?>
-<p:sld xmlns:a="http://schemas.openxmlformats.org/drawingml/2006/main" xmlns:r="http://schemas.openxmlformats.org/officeDocument/2006/relationships" xmlns:p="http://schemas.openxmlformats.org/presentationml/2006/main">
-  <p:cSld>
-    <p:spTree>
-      <p:nvGrpSpPr>
-        <p:cNvPr id="1" name=""/>
-        <p:cNvGrpSpPr/>
-        <p:nvPr/>
-      </p:nvGrpSpPr>
-      <p:grpSpPr>
-        <a:xfrm>
-          <a:off x="0" y="0"/>
-          <a:ext cx="0" cy="0"/>
-          <a:chOff x="0" y="0"/>
-          <a:chExt cx="0" cy="0"/>
-        </a:xfrm>
-      </p:grpSpPr>
-      <p:sp>
-        <p:nvSpPr>
-          <p:cNvPr id="2" name="直角三角形 1"/>
-          <p:cNvSpPr/>
-          <p:nvPr/>
-        </p:nvSpPr>
-        <p:spPr>
-          <a:xfrm flipH="1" flipV="1">
-            <a:off x="4076700" y="0"/>
-            <a:ext cx="8115300" cy="6273800"/>
-          </a:xfrm>
-          <a:prstGeom prst="rtTriangle">
-            <a:avLst/>
-          </a:prstGeom>
-          <a:solidFill>
-            <a:srgbClr val="747472"/>
-          </a:solidFill>
-          <a:ln>
-            <a:noFill/>
-          </a:ln>
-        </p:spPr>
-        <p:style>
-          <a:lnRef idx="2">
-            <a:schemeClr val="accent1">
-              <a:shade val="50000"/>
-            </a:schemeClr>
-          </a:lnRef>
-          <a:fillRef idx="1">
-            <a:schemeClr val="accent1"/>
-          </a:fillRef>
-          <a:effectRef idx="0">
-            <a:schemeClr val="accent1"/>
-          </a:effectRef>
-          <a:fontRef idx="minor">
-            <a:schemeClr val="lt1"/>
-          </a:fontRef>
-        </p:style>
-        <p:txBody>
-          <a:bodyPr anchor="ctr"/>
-          <a:lstStyle/>
-          <a:p>
-            <a:pPr marL="0" marR="0" lvl="0" indent="0" algn="ctr" defTabSz="914400" rtl="0" eaLnBrk="1" fontAlgn="auto" latinLnBrk="0" hangingPunct="1">
-              <a:lnSpc>
-                <a:spcPct val="100000"/>
-              </a:lnSpc>
-              <a:spcBef>
-                <a:spcPts val="0"/>
-              </a:spcBef>
-              <a:spcAft>
-                <a:spcPts val="0"/>
-              </a:spcAft>
-              <a:buClrTx/>
-              <a:buSzTx/>
-              <a:buFontTx/>
-              <a:buNone/>
-              <a:defRPr/>
-            </a:pPr>
-            <a:endParaRPr kumimoji="0" lang="zh-CN" altLang="en-US" sz="1800" b="0" i="0" u="none" strike="noStrike" kern="1200" cap="none" spc="0" normalizeH="0" baseline="0" noProof="0">
-              <a:ln>
-                <a:noFill/>
-              </a:ln>
-              <a:solidFill>
-                <a:schemeClr val="lt1"/>
-              </a:solidFill>
-              <a:effectLst/>
-              <a:uLnTx/>
-              <a:uFillTx/>
-              <a:latin typeface="+mn-lt"/>
-              <a:ea typeface="+mn-ea"/>
-              <a:cs typeface="+mn-cs"/>
-            </a:endParaRPr>
-          </a:p>
-        </p:txBody>
-      </p:sp>
-      <p:sp>
-        <p:nvSpPr>
-          <p:cNvPr id="3" name="等腰三角形 2"/>
-          <p:cNvSpPr/>
-          <p:nvPr/>
-        </p:nvSpPr>
-        <p:spPr>
-          <a:xfrm rot="19088536">
-            <a:off x="7283450" y="-541337"/>
-            <a:ext cx="2414588" cy="9158288"/>
-          </a:xfrm>
-          <a:custGeom>
-            <a:avLst/>
-            <a:gdLst>
-              <a:gd name="connsiteX0" fmla="*/ 0 w 1117600"/>
-              <a:gd name="connsiteY0" fmla="*/ 5702300 h 5702300"/>
-              <a:gd name="connsiteX1" fmla="*/ 558800 w 1117600"/>
-              <a:gd name="connsiteY1" fmla="*/ 0 h 5702300"/>
-              <a:gd name="connsiteX2" fmla="*/ 1117600 w 1117600"/>
-              <a:gd name="connsiteY2" fmla="*/ 5702300 h 5702300"/>
-              <a:gd name="connsiteX3" fmla="*/ 0 w 1117600"/>
-              <a:gd name="connsiteY3" fmla="*/ 5702300 h 5702300"/>
-              <a:gd name="connsiteX0-1" fmla="*/ 0 w 2070142"/>
-              <a:gd name="connsiteY0-2" fmla="*/ 5702300 h 7817508"/>
-              <a:gd name="connsiteX1-3" fmla="*/ 558800 w 2070142"/>
-              <a:gd name="connsiteY1-4" fmla="*/ 0 h 7817508"/>
-              <a:gd name="connsiteX2-5" fmla="*/ 2070142 w 2070142"/>
-              <a:gd name="connsiteY2-6" fmla="*/ 7817508 h 7817508"/>
-              <a:gd name="connsiteX3-7" fmla="*/ 0 w 2070142"/>
-              <a:gd name="connsiteY3-8" fmla="*/ 5702300 h 7817508"/>
-              <a:gd name="connsiteX0-9" fmla="*/ 0 w 2414257"/>
-              <a:gd name="connsiteY0-10" fmla="*/ 6314781 h 7817508"/>
-              <a:gd name="connsiteX1-11" fmla="*/ 902915 w 2414257"/>
-              <a:gd name="connsiteY1-12" fmla="*/ 0 h 7817508"/>
-              <a:gd name="connsiteX2-13" fmla="*/ 2414257 w 2414257"/>
-              <a:gd name="connsiteY2-14" fmla="*/ 7817508 h 7817508"/>
-              <a:gd name="connsiteX3-15" fmla="*/ 0 w 2414257"/>
-              <a:gd name="connsiteY3-16" fmla="*/ 6314781 h 7817508"/>
-              <a:gd name="connsiteX0-17" fmla="*/ 0 w 2414257"/>
-              <a:gd name="connsiteY0-18" fmla="*/ 6314781 h 7817508"/>
-              <a:gd name="connsiteX1-19" fmla="*/ 902915 w 2414257"/>
-              <a:gd name="connsiteY1-20" fmla="*/ 0 h 7817508"/>
-              <a:gd name="connsiteX2-21" fmla="*/ 2414257 w 2414257"/>
-              <a:gd name="connsiteY2-22" fmla="*/ 7817508 h 7817508"/>
-              <a:gd name="connsiteX3-23" fmla="*/ 1191330 w 2414257"/>
-              <a:gd name="connsiteY3-24" fmla="*/ 7039908 h 7817508"/>
-              <a:gd name="connsiteX4" fmla="*/ 0 w 2414257"/>
-              <a:gd name="connsiteY4" fmla="*/ 6314781 h 7817508"/>
-              <a:gd name="connsiteX0-25" fmla="*/ 0 w 2414257"/>
-              <a:gd name="connsiteY0-26" fmla="*/ 6314781 h 8205626"/>
-              <a:gd name="connsiteX1-27" fmla="*/ 902915 w 2414257"/>
-              <a:gd name="connsiteY1-28" fmla="*/ 0 h 8205626"/>
-              <a:gd name="connsiteX2-29" fmla="*/ 2414257 w 2414257"/>
-              <a:gd name="connsiteY2-30" fmla="*/ 7817508 h 8205626"/>
-              <a:gd name="connsiteX3-31" fmla="*/ 2073759 w 2414257"/>
-              <a:gd name="connsiteY3-32" fmla="*/ 8205626 h 8205626"/>
-              <a:gd name="connsiteX4-33" fmla="*/ 0 w 2414257"/>
-              <a:gd name="connsiteY4-34" fmla="*/ 6314781 h 8205626"/>
-              <a:gd name="connsiteX0-35" fmla="*/ 0 w 2414257"/>
-              <a:gd name="connsiteY0-36" fmla="*/ 6436203 h 8327048"/>
-              <a:gd name="connsiteX1-37" fmla="*/ 329641 w 2414257"/>
-              <a:gd name="connsiteY1-38" fmla="*/ 0 h 8327048"/>
-              <a:gd name="connsiteX2-39" fmla="*/ 2414257 w 2414257"/>
-              <a:gd name="connsiteY2-40" fmla="*/ 7938930 h 8327048"/>
-              <a:gd name="connsiteX3-41" fmla="*/ 2073759 w 2414257"/>
-              <a:gd name="connsiteY3-42" fmla="*/ 8327048 h 8327048"/>
-              <a:gd name="connsiteX4-43" fmla="*/ 0 w 2414257"/>
-              <a:gd name="connsiteY4-44" fmla="*/ 6436203 h 8327048"/>
-              <a:gd name="connsiteX0-45" fmla="*/ 0 w 2414257"/>
-              <a:gd name="connsiteY0-46" fmla="*/ 6431068 h 8321913"/>
-              <a:gd name="connsiteX1-47" fmla="*/ 563761 w 2414257"/>
-              <a:gd name="connsiteY1-48" fmla="*/ 0 h 8321913"/>
-              <a:gd name="connsiteX2-49" fmla="*/ 2414257 w 2414257"/>
-              <a:gd name="connsiteY2-50" fmla="*/ 7933795 h 8321913"/>
-              <a:gd name="connsiteX3-51" fmla="*/ 2073759 w 2414257"/>
-              <a:gd name="connsiteY3-52" fmla="*/ 8321913 h 8321913"/>
-              <a:gd name="connsiteX4-53" fmla="*/ 0 w 2414257"/>
-              <a:gd name="connsiteY4-54" fmla="*/ 6431068 h 8321913"/>
-              <a:gd name="connsiteX0-55" fmla="*/ 0 w 2414257"/>
-              <a:gd name="connsiteY0-56" fmla="*/ 7267650 h 9158495"/>
-              <a:gd name="connsiteX1-57" fmla="*/ 239027 w 2414257"/>
-              <a:gd name="connsiteY1-58" fmla="*/ 0 h 9158495"/>
-              <a:gd name="connsiteX2-59" fmla="*/ 2414257 w 2414257"/>
-              <a:gd name="connsiteY2-60" fmla="*/ 8770377 h 9158495"/>
-              <a:gd name="connsiteX3-61" fmla="*/ 2073759 w 2414257"/>
-              <a:gd name="connsiteY3-62" fmla="*/ 9158495 h 9158495"/>
-              <a:gd name="connsiteX4-63" fmla="*/ 0 w 2414257"/>
-              <a:gd name="connsiteY4-64" fmla="*/ 7267650 h 9158495"/>
-            </a:gdLst>
-            <a:ahLst/>
-            <a:cxnLst>
-              <a:cxn ang="0">
-                <a:pos x="connsiteX0-1" y="connsiteY0-2"/>
-              </a:cxn>
-              <a:cxn ang="0">
-                <a:pos x="connsiteX1-3" y="connsiteY1-4"/>
-              </a:cxn>
-              <a:cxn ang="0">
-                <a:pos x="connsiteX2-5" y="connsiteY2-6"/>
-              </a:cxn>
-              <a:cxn ang="0">
-                <a:pos x="connsiteX3-7" y="connsiteY3-8"/>
-              </a:cxn>
-              <a:cxn ang="0">
-                <a:pos x="connsiteX4-33" y="connsiteY4-34"/>
-              </a:cxn>
-            </a:cxnLst>
-            <a:rect l="l" t="t" r="r" b="b"/>
-            <a:pathLst>
-              <a:path w="2414257" h="9158495">
-                <a:moveTo>
-                  <a:pt x="0" y="7267650"/>
-                </a:moveTo>
-                <a:lnTo>
-                  <a:pt x="239027" y="0"/>
-                </a:lnTo>
-                <a:lnTo>
-                  <a:pt x="2414257" y="8770377"/>
-                </a:lnTo>
-                <a:lnTo>
-                  <a:pt x="2073759" y="9158495"/>
-                </a:lnTo>
-                <a:lnTo>
-                  <a:pt x="0" y="7267650"/>
-                </a:lnTo>
-                <a:close/>
-              </a:path>
-            </a:pathLst>
-          </a:custGeom>
-          <a:solidFill>
-            <a:srgbClr val="C4C4C4"/>
-          </a:solidFill>
-          <a:ln>
-            <a:noFill/>
-          </a:ln>
-        </p:spPr>
-        <p:style>
-          <a:lnRef idx="2">
-            <a:schemeClr val="accent1">
-              <a:shade val="50000"/>
-            </a:schemeClr>
-          </a:lnRef>
-          <a:fillRef idx="1">
-            <a:schemeClr val="accent1"/>
-          </a:fillRef>
-          <a:effectRef idx="0">
-            <a:schemeClr val="accent1"/>
-          </a:effectRef>
-          <a:fontRef idx="minor">
-            <a:schemeClr val="lt1"/>
-          </a:fontRef>
-        </p:style>
-        <p:txBody>
-          <a:bodyPr anchor="ctr"/>
-          <a:lstStyle/>
-          <a:p>
-            <a:pPr marL="0" marR="0" lvl="0" indent="0" algn="ctr" defTabSz="914400" rtl="0" eaLnBrk="1" fontAlgn="auto" latinLnBrk="0" hangingPunct="1">
-              <a:lnSpc>
-                <a:spcPct val="100000"/>
-              </a:lnSpc>
-              <a:spcBef>
-                <a:spcPts val="0"/>
-              </a:spcBef>
-              <a:spcAft>
-                <a:spcPts val="0"/>
-              </a:spcAft>
-              <a:buClrTx/>
-              <a:buSzTx/>
-              <a:buFontTx/>
-              <a:buNone/>
-              <a:defRPr/>
-            </a:pPr>
-            <a:endParaRPr kumimoji="0" lang="zh-CN" altLang="en-US" sz="1800" b="0" i="0" u="none" strike="noStrike" kern="1200" cap="none" spc="0" normalizeH="0" baseline="0" noProof="0">
-              <a:ln>
-                <a:noFill/>
-              </a:ln>
-              <a:solidFill>
-                <a:schemeClr val="lt1"/>
-              </a:solidFill>
-              <a:effectLst/>
-              <a:uLnTx/>
-              <a:uFillTx/>
-              <a:latin typeface="+mn-lt"/>
-              <a:ea typeface="+mn-ea"/>
-              <a:cs typeface="+mn-cs"/>
-            </a:endParaRPr>
-          </a:p>
-        </p:txBody>
-      </p:sp>
-      <p:sp>
-        <p:nvSpPr>
-          <p:cNvPr id="8" name="任意多边形 7"/>
-          <p:cNvSpPr/>
-          <p:nvPr/>
-        </p:nvSpPr>
-        <p:spPr>
-          <a:xfrm rot="7572289">
-            <a:off x="5132388" y="-1582737"/>
-            <a:ext cx="741363" cy="6269038"/>
-          </a:xfrm>
-          <a:custGeom>
-            <a:avLst/>
-            <a:gdLst>
-              <a:gd name="connsiteX0" fmla="*/ 742650 w 742650"/>
-              <a:gd name="connsiteY0" fmla="*/ 6268899 h 6268899"/>
-              <a:gd name="connsiteX1" fmla="*/ 0 w 742650"/>
-              <a:gd name="connsiteY1" fmla="*/ 5254376 h 6268899"/>
-              <a:gd name="connsiteX2" fmla="*/ 242314 w 742650"/>
-              <a:gd name="connsiteY2" fmla="*/ 0 h 6268899"/>
-            </a:gdLst>
-            <a:ahLst/>
-            <a:cxnLst>
-              <a:cxn ang="0">
-                <a:pos x="connsiteX0" y="connsiteY0"/>
-              </a:cxn>
-              <a:cxn ang="0">
-                <a:pos x="connsiteX1" y="connsiteY1"/>
-              </a:cxn>
-              <a:cxn ang="0">
-                <a:pos x="connsiteX2" y="connsiteY2"/>
-              </a:cxn>
-            </a:cxnLst>
-            <a:rect l="l" t="t" r="r" b="b"/>
-            <a:pathLst>
-              <a:path w="742650" h="6268899">
-                <a:moveTo>
-                  <a:pt x="742650" y="6268899"/>
-                </a:moveTo>
-                <a:lnTo>
-                  <a:pt x="0" y="5254376"/>
-                </a:lnTo>
-                <a:lnTo>
-                  <a:pt x="242314" y="0"/>
-                </a:lnTo>
-                <a:close/>
-              </a:path>
-            </a:pathLst>
-          </a:custGeom>
-          <a:solidFill>
-            <a:srgbClr val="F0B931"/>
-          </a:solidFill>
-          <a:ln>
-            <a:noFill/>
-          </a:ln>
-        </p:spPr>
-        <p:style>
-          <a:lnRef idx="2">
-            <a:schemeClr val="accent1">
-              <a:shade val="50000"/>
-            </a:schemeClr>
-          </a:lnRef>
-          <a:fillRef idx="1">
-            <a:schemeClr val="accent1"/>
-          </a:fillRef>
-          <a:effectRef idx="0">
-            <a:schemeClr val="accent1"/>
-          </a:effectRef>
-          <a:fontRef idx="minor">
-            <a:schemeClr val="lt1"/>
-          </a:fontRef>
-        </p:style>
-        <p:txBody>
-          <a:bodyPr anchor="ctr"/>
-          <a:lstStyle/>
-          <a:p>
-            <a:pPr marL="0" marR="0" lvl="0" indent="0" algn="ctr" defTabSz="914400" rtl="0" eaLnBrk="1" fontAlgn="auto" latinLnBrk="0" hangingPunct="1">
-              <a:lnSpc>
-                <a:spcPct val="100000"/>
-              </a:lnSpc>
-              <a:spcBef>
-                <a:spcPts val="0"/>
-              </a:spcBef>
-              <a:spcAft>
-                <a:spcPts val="0"/>
-              </a:spcAft>
-              <a:buClrTx/>
-              <a:buSzTx/>
-              <a:buFontTx/>
-              <a:buNone/>
-              <a:defRPr/>
-            </a:pPr>
-            <a:endParaRPr kumimoji="0" lang="zh-CN" altLang="en-US" sz="1800" b="0" i="0" u="none" strike="noStrike" kern="1200" cap="none" spc="0" normalizeH="0" baseline="0" noProof="0">
-              <a:ln>
-                <a:noFill/>
-              </a:ln>
-              <a:solidFill>
-                <a:schemeClr val="lt1"/>
-              </a:solidFill>
-              <a:effectLst/>
-              <a:uLnTx/>
-              <a:uFillTx/>
-              <a:latin typeface="+mn-lt"/>
-              <a:ea typeface="+mn-ea"/>
-              <a:cs typeface="+mn-cs"/>
-            </a:endParaRPr>
-          </a:p>
-        </p:txBody>
-      </p:sp>
-      <p:pic>
-        <p:nvPicPr>
-          <p:cNvPr id="5" name="Picture 4" descr="python-logo"/>
-          <p:cNvPicPr>
-            <a:picLocks noChangeAspect="1"/>
-          </p:cNvPicPr>
-          <p:nvPr/>
-        </p:nvPicPr>
-        <p:blipFill>
-          <a:blip r:embed="rId2"/>
-          <a:stretch>
-            <a:fillRect/>
-          </a:stretch>
-        </p:blipFill>
-        <p:spPr>
-          <a:xfrm>
-            <a:off x="8762365" y="38150"/>
-            <a:ext cx="3683000" cy="1041400"/>
-          </a:xfrm>
-          <a:prstGeom prst="rect">
-            <a:avLst/>
-          </a:prstGeom>
-        </p:spPr>
-      </p:pic>
-      <p:sp>
-        <p:nvSpPr>
-          <p:cNvPr id="4" name="Rectangle 3"/>
-          <p:cNvSpPr/>
-          <p:nvPr/>
-        </p:nvSpPr>
-        <p:spPr>
-          <a:xfrm>
-            <a:off x="116369" y="38150"/>
-            <a:ext cx="6543738" cy="1323439"/>
-          </a:xfrm>
-          <a:prstGeom prst="rect">
-            <a:avLst/>
-          </a:prstGeom>
-          <a:noFill/>
-        </p:spPr>
-        <p:txBody>
-          <a:bodyPr wrap="square" rtlCol="0" anchor="t">
-            <a:spAutoFit/>
-          </a:bodyPr>
-          <a:lstStyle/>
-          <a:p>
-            <a:r>
-              <a:rPr lang="en-US" sz="4000" b="1" dirty="0"/>
-              <a:t>Threads</a:t>
-            </a:r>
-          </a:p>
-          <a:p>
-            <a:endParaRPr lang="en-US" sz="4000" dirty="0"/>
-          </a:p>
-        </p:txBody>
-      </p:sp>
-      <p:sp>
-        <p:nvSpPr>
-          <p:cNvPr id="10" name="Rectangle 9"/>
-          <p:cNvSpPr/>
-          <p:nvPr/>
-        </p:nvSpPr>
-        <p:spPr>
-          <a:xfrm>
-            <a:off x="8563525" y="6491605"/>
-            <a:ext cx="4080680" cy="369332"/>
-          </a:xfrm>
-          <a:prstGeom prst="rect">
-            <a:avLst/>
-          </a:prstGeom>
-        </p:spPr>
-        <p:txBody>
-          <a:bodyPr wrap="square">
-            <a:spAutoFit/>
-          </a:bodyPr>
-          <a:lstStyle/>
-          <a:p>
-            <a:pPr algn="ctr"/>
-            <a:r>
-              <a:rPr lang="en-US" dirty="0" smtClean="0">
-                <a:latin typeface="Verdana" panose="020B0604030504040204" pitchFamily="34" charset="0"/>
-                <a:ea typeface="Verdana" panose="020B0604030504040204" pitchFamily="34" charset="0"/>
-              </a:rPr>
-              <a:t>Python </a:t>
-            </a:r>
-            <a:r>
-              <a:rPr lang="en-US" dirty="0">
-                <a:latin typeface="Verdana" panose="020B0604030504040204" pitchFamily="34" charset="0"/>
-                <a:ea typeface="Verdana" panose="020B0604030504040204" pitchFamily="34" charset="0"/>
-              </a:rPr>
-              <a:t>RegEx &amp; </a:t>
-            </a:r>
-            <a:r>
-              <a:rPr lang="en-US" dirty="0" smtClean="0">
-                <a:latin typeface="Verdana" panose="020B0604030504040204" pitchFamily="34" charset="0"/>
-                <a:ea typeface="Verdana" panose="020B0604030504040204" pitchFamily="34" charset="0"/>
-              </a:rPr>
-              <a:t>Decorators</a:t>
-            </a:r>
-            <a:endParaRPr lang="en-US" dirty="0">
-              <a:latin typeface="Verdana" panose="020B0604030504040204" pitchFamily="34" charset="0"/>
-              <a:ea typeface="Verdana" panose="020B0604030504040204" pitchFamily="34" charset="0"/>
-            </a:endParaRPr>
-          </a:p>
-        </p:txBody>
-      </p:sp>
-    </p:spTree>
-    <p:extLst>
-      <p:ext uri="{BB962C8B-B14F-4D97-AF65-F5344CB8AC3E}">
-        <p14:creationId xmlns:p14="http://schemas.microsoft.com/office/powerpoint/2010/main" val="868730114"/>
-      </p:ext>
-    </p:extLst>
-  </p:cSld>
-  <p:clrMapOvr>
-    <a:masterClrMapping/>
-  </p:clrMapOvr>
-  <p:timing>
-    <p:tnLst>
-      <p:par>
-        <p:cTn id="1" dur="indefinite" restart="never" nodeType="tmRoot"/>
-      </p:par>
-    </p:tnLst>
-  </p:timing>
-</p:sld>
-</file>
-
-<file path=ppt/slides/slide23.xml><?xml version="1.0" encoding="utf-8"?>
-<p:sld xmlns:a="http://schemas.openxmlformats.org/drawingml/2006/main" xmlns:r="http://schemas.openxmlformats.org/officeDocument/2006/relationships" xmlns:p="http://schemas.openxmlformats.org/presentationml/2006/main">
-  <p:cSld>
-    <p:spTree>
-      <p:nvGrpSpPr>
-        <p:cNvPr id="1" name=""/>
-        <p:cNvGrpSpPr/>
-        <p:nvPr/>
-      </p:nvGrpSpPr>
-      <p:grpSpPr>
-        <a:xfrm>
-          <a:off x="0" y="0"/>
-          <a:ext cx="0" cy="0"/>
-          <a:chOff x="0" y="0"/>
-          <a:chExt cx="0" cy="0"/>
-        </a:xfrm>
-      </p:grpSpPr>
-      <p:sp>
-        <p:nvSpPr>
-          <p:cNvPr id="2" name="直角三角形 1"/>
-          <p:cNvSpPr/>
-          <p:nvPr/>
-        </p:nvSpPr>
-        <p:spPr>
-          <a:xfrm flipH="1" flipV="1">
-            <a:off x="4076700" y="0"/>
-            <a:ext cx="8115300" cy="6273800"/>
-          </a:xfrm>
-          <a:prstGeom prst="rtTriangle">
-            <a:avLst/>
-          </a:prstGeom>
-          <a:solidFill>
-            <a:srgbClr val="747472"/>
-          </a:solidFill>
-          <a:ln>
-            <a:noFill/>
-          </a:ln>
-        </p:spPr>
-        <p:style>
-          <a:lnRef idx="2">
-            <a:schemeClr val="accent1">
-              <a:shade val="50000"/>
-            </a:schemeClr>
-          </a:lnRef>
-          <a:fillRef idx="1">
-            <a:schemeClr val="accent1"/>
-          </a:fillRef>
-          <a:effectRef idx="0">
-            <a:schemeClr val="accent1"/>
-          </a:effectRef>
-          <a:fontRef idx="minor">
-            <a:schemeClr val="lt1"/>
-          </a:fontRef>
-        </p:style>
-        <p:txBody>
-          <a:bodyPr anchor="ctr"/>
-          <a:lstStyle/>
-          <a:p>
-            <a:pPr marL="0" marR="0" lvl="0" indent="0" algn="ctr" defTabSz="914400" rtl="0" eaLnBrk="1" fontAlgn="auto" latinLnBrk="0" hangingPunct="1">
-              <a:lnSpc>
-                <a:spcPct val="100000"/>
-              </a:lnSpc>
-              <a:spcBef>
-                <a:spcPts val="0"/>
-              </a:spcBef>
-              <a:spcAft>
-                <a:spcPts val="0"/>
-              </a:spcAft>
-              <a:buClrTx/>
-              <a:buSzTx/>
-              <a:buFontTx/>
-              <a:buNone/>
-              <a:defRPr/>
-            </a:pPr>
-            <a:endParaRPr kumimoji="0" lang="zh-CN" altLang="en-US" sz="1800" b="0" i="0" u="none" strike="noStrike" kern="1200" cap="none" spc="0" normalizeH="0" baseline="0" noProof="0">
-              <a:ln>
-                <a:noFill/>
-              </a:ln>
-              <a:solidFill>
-                <a:schemeClr val="lt1"/>
-              </a:solidFill>
-              <a:effectLst/>
-              <a:uLnTx/>
-              <a:uFillTx/>
-              <a:latin typeface="+mn-lt"/>
-              <a:ea typeface="+mn-ea"/>
-              <a:cs typeface="+mn-cs"/>
-            </a:endParaRPr>
-          </a:p>
-        </p:txBody>
-      </p:sp>
-      <p:sp>
-        <p:nvSpPr>
-          <p:cNvPr id="3" name="等腰三角形 2"/>
-          <p:cNvSpPr/>
-          <p:nvPr/>
-        </p:nvSpPr>
-        <p:spPr>
-          <a:xfrm rot="19088536">
-            <a:off x="7283450" y="-541337"/>
-            <a:ext cx="2414588" cy="9158288"/>
-          </a:xfrm>
-          <a:custGeom>
-            <a:avLst/>
-            <a:gdLst>
-              <a:gd name="connsiteX0" fmla="*/ 0 w 1117600"/>
-              <a:gd name="connsiteY0" fmla="*/ 5702300 h 5702300"/>
-              <a:gd name="connsiteX1" fmla="*/ 558800 w 1117600"/>
-              <a:gd name="connsiteY1" fmla="*/ 0 h 5702300"/>
-              <a:gd name="connsiteX2" fmla="*/ 1117600 w 1117600"/>
-              <a:gd name="connsiteY2" fmla="*/ 5702300 h 5702300"/>
-              <a:gd name="connsiteX3" fmla="*/ 0 w 1117600"/>
-              <a:gd name="connsiteY3" fmla="*/ 5702300 h 5702300"/>
-              <a:gd name="connsiteX0-1" fmla="*/ 0 w 2070142"/>
-              <a:gd name="connsiteY0-2" fmla="*/ 5702300 h 7817508"/>
-              <a:gd name="connsiteX1-3" fmla="*/ 558800 w 2070142"/>
-              <a:gd name="connsiteY1-4" fmla="*/ 0 h 7817508"/>
-              <a:gd name="connsiteX2-5" fmla="*/ 2070142 w 2070142"/>
-              <a:gd name="connsiteY2-6" fmla="*/ 7817508 h 7817508"/>
-              <a:gd name="connsiteX3-7" fmla="*/ 0 w 2070142"/>
-              <a:gd name="connsiteY3-8" fmla="*/ 5702300 h 7817508"/>
-              <a:gd name="connsiteX0-9" fmla="*/ 0 w 2414257"/>
-              <a:gd name="connsiteY0-10" fmla="*/ 6314781 h 7817508"/>
-              <a:gd name="connsiteX1-11" fmla="*/ 902915 w 2414257"/>
-              <a:gd name="connsiteY1-12" fmla="*/ 0 h 7817508"/>
-              <a:gd name="connsiteX2-13" fmla="*/ 2414257 w 2414257"/>
-              <a:gd name="connsiteY2-14" fmla="*/ 7817508 h 7817508"/>
-              <a:gd name="connsiteX3-15" fmla="*/ 0 w 2414257"/>
-              <a:gd name="connsiteY3-16" fmla="*/ 6314781 h 7817508"/>
-              <a:gd name="connsiteX0-17" fmla="*/ 0 w 2414257"/>
-              <a:gd name="connsiteY0-18" fmla="*/ 6314781 h 7817508"/>
-              <a:gd name="connsiteX1-19" fmla="*/ 902915 w 2414257"/>
-              <a:gd name="connsiteY1-20" fmla="*/ 0 h 7817508"/>
-              <a:gd name="connsiteX2-21" fmla="*/ 2414257 w 2414257"/>
-              <a:gd name="connsiteY2-22" fmla="*/ 7817508 h 7817508"/>
-              <a:gd name="connsiteX3-23" fmla="*/ 1191330 w 2414257"/>
-              <a:gd name="connsiteY3-24" fmla="*/ 7039908 h 7817508"/>
-              <a:gd name="connsiteX4" fmla="*/ 0 w 2414257"/>
-              <a:gd name="connsiteY4" fmla="*/ 6314781 h 7817508"/>
-              <a:gd name="connsiteX0-25" fmla="*/ 0 w 2414257"/>
-              <a:gd name="connsiteY0-26" fmla="*/ 6314781 h 8205626"/>
-              <a:gd name="connsiteX1-27" fmla="*/ 902915 w 2414257"/>
-              <a:gd name="connsiteY1-28" fmla="*/ 0 h 8205626"/>
-              <a:gd name="connsiteX2-29" fmla="*/ 2414257 w 2414257"/>
-              <a:gd name="connsiteY2-30" fmla="*/ 7817508 h 8205626"/>
-              <a:gd name="connsiteX3-31" fmla="*/ 2073759 w 2414257"/>
-              <a:gd name="connsiteY3-32" fmla="*/ 8205626 h 8205626"/>
-              <a:gd name="connsiteX4-33" fmla="*/ 0 w 2414257"/>
-              <a:gd name="connsiteY4-34" fmla="*/ 6314781 h 8205626"/>
-              <a:gd name="connsiteX0-35" fmla="*/ 0 w 2414257"/>
-              <a:gd name="connsiteY0-36" fmla="*/ 6436203 h 8327048"/>
-              <a:gd name="connsiteX1-37" fmla="*/ 329641 w 2414257"/>
-              <a:gd name="connsiteY1-38" fmla="*/ 0 h 8327048"/>
-              <a:gd name="connsiteX2-39" fmla="*/ 2414257 w 2414257"/>
-              <a:gd name="connsiteY2-40" fmla="*/ 7938930 h 8327048"/>
-              <a:gd name="connsiteX3-41" fmla="*/ 2073759 w 2414257"/>
-              <a:gd name="connsiteY3-42" fmla="*/ 8327048 h 8327048"/>
-              <a:gd name="connsiteX4-43" fmla="*/ 0 w 2414257"/>
-              <a:gd name="connsiteY4-44" fmla="*/ 6436203 h 8327048"/>
-              <a:gd name="connsiteX0-45" fmla="*/ 0 w 2414257"/>
-              <a:gd name="connsiteY0-46" fmla="*/ 6431068 h 8321913"/>
-              <a:gd name="connsiteX1-47" fmla="*/ 563761 w 2414257"/>
-              <a:gd name="connsiteY1-48" fmla="*/ 0 h 8321913"/>
-              <a:gd name="connsiteX2-49" fmla="*/ 2414257 w 2414257"/>
-              <a:gd name="connsiteY2-50" fmla="*/ 7933795 h 8321913"/>
-              <a:gd name="connsiteX3-51" fmla="*/ 2073759 w 2414257"/>
-              <a:gd name="connsiteY3-52" fmla="*/ 8321913 h 8321913"/>
-              <a:gd name="connsiteX4-53" fmla="*/ 0 w 2414257"/>
-              <a:gd name="connsiteY4-54" fmla="*/ 6431068 h 8321913"/>
-              <a:gd name="connsiteX0-55" fmla="*/ 0 w 2414257"/>
-              <a:gd name="connsiteY0-56" fmla="*/ 7267650 h 9158495"/>
-              <a:gd name="connsiteX1-57" fmla="*/ 239027 w 2414257"/>
-              <a:gd name="connsiteY1-58" fmla="*/ 0 h 9158495"/>
-              <a:gd name="connsiteX2-59" fmla="*/ 2414257 w 2414257"/>
-              <a:gd name="connsiteY2-60" fmla="*/ 8770377 h 9158495"/>
-              <a:gd name="connsiteX3-61" fmla="*/ 2073759 w 2414257"/>
-              <a:gd name="connsiteY3-62" fmla="*/ 9158495 h 9158495"/>
-              <a:gd name="connsiteX4-63" fmla="*/ 0 w 2414257"/>
-              <a:gd name="connsiteY4-64" fmla="*/ 7267650 h 9158495"/>
-            </a:gdLst>
-            <a:ahLst/>
-            <a:cxnLst>
-              <a:cxn ang="0">
-                <a:pos x="connsiteX0-1" y="connsiteY0-2"/>
-              </a:cxn>
-              <a:cxn ang="0">
-                <a:pos x="connsiteX1-3" y="connsiteY1-4"/>
-              </a:cxn>
-              <a:cxn ang="0">
-                <a:pos x="connsiteX2-5" y="connsiteY2-6"/>
-              </a:cxn>
-              <a:cxn ang="0">
-                <a:pos x="connsiteX3-7" y="connsiteY3-8"/>
-              </a:cxn>
-              <a:cxn ang="0">
-                <a:pos x="connsiteX4-33" y="connsiteY4-34"/>
-              </a:cxn>
-            </a:cxnLst>
-            <a:rect l="l" t="t" r="r" b="b"/>
-            <a:pathLst>
-              <a:path w="2414257" h="9158495">
-                <a:moveTo>
-                  <a:pt x="0" y="7267650"/>
-                </a:moveTo>
-                <a:lnTo>
-                  <a:pt x="239027" y="0"/>
-                </a:lnTo>
-                <a:lnTo>
-                  <a:pt x="2414257" y="8770377"/>
-                </a:lnTo>
-                <a:lnTo>
-                  <a:pt x="2073759" y="9158495"/>
-                </a:lnTo>
-                <a:lnTo>
-                  <a:pt x="0" y="7267650"/>
-                </a:lnTo>
-                <a:close/>
-              </a:path>
-            </a:pathLst>
-          </a:custGeom>
-          <a:solidFill>
-            <a:srgbClr val="C4C4C4"/>
-          </a:solidFill>
-          <a:ln>
-            <a:noFill/>
-          </a:ln>
-        </p:spPr>
-        <p:style>
-          <a:lnRef idx="2">
-            <a:schemeClr val="accent1">
-              <a:shade val="50000"/>
-            </a:schemeClr>
-          </a:lnRef>
-          <a:fillRef idx="1">
-            <a:schemeClr val="accent1"/>
-          </a:fillRef>
-          <a:effectRef idx="0">
-            <a:schemeClr val="accent1"/>
-          </a:effectRef>
-          <a:fontRef idx="minor">
-            <a:schemeClr val="lt1"/>
-          </a:fontRef>
-        </p:style>
-        <p:txBody>
-          <a:bodyPr anchor="ctr"/>
-          <a:lstStyle/>
-          <a:p>
-            <a:pPr marL="0" marR="0" lvl="0" indent="0" algn="ctr" defTabSz="914400" rtl="0" eaLnBrk="1" fontAlgn="auto" latinLnBrk="0" hangingPunct="1">
-              <a:lnSpc>
-                <a:spcPct val="100000"/>
-              </a:lnSpc>
-              <a:spcBef>
-                <a:spcPts val="0"/>
-              </a:spcBef>
-              <a:spcAft>
-                <a:spcPts val="0"/>
-              </a:spcAft>
-              <a:buClrTx/>
-              <a:buSzTx/>
-              <a:buFontTx/>
-              <a:buNone/>
-              <a:defRPr/>
-            </a:pPr>
-            <a:endParaRPr kumimoji="0" lang="zh-CN" altLang="en-US" sz="1800" b="0" i="0" u="none" strike="noStrike" kern="1200" cap="none" spc="0" normalizeH="0" baseline="0" noProof="0">
-              <a:ln>
-                <a:noFill/>
-              </a:ln>
-              <a:solidFill>
-                <a:schemeClr val="lt1"/>
-              </a:solidFill>
-              <a:effectLst/>
-              <a:uLnTx/>
-              <a:uFillTx/>
-              <a:latin typeface="+mn-lt"/>
-              <a:ea typeface="+mn-ea"/>
-              <a:cs typeface="+mn-cs"/>
-            </a:endParaRPr>
-          </a:p>
-        </p:txBody>
-      </p:sp>
-      <p:sp>
-        <p:nvSpPr>
-          <p:cNvPr id="8" name="任意多边形 7"/>
-          <p:cNvSpPr/>
-          <p:nvPr/>
-        </p:nvSpPr>
-        <p:spPr>
-          <a:xfrm rot="7572289">
-            <a:off x="5132388" y="-1582737"/>
-            <a:ext cx="741363" cy="6269038"/>
-          </a:xfrm>
-          <a:custGeom>
-            <a:avLst/>
-            <a:gdLst>
-              <a:gd name="connsiteX0" fmla="*/ 742650 w 742650"/>
-              <a:gd name="connsiteY0" fmla="*/ 6268899 h 6268899"/>
-              <a:gd name="connsiteX1" fmla="*/ 0 w 742650"/>
-              <a:gd name="connsiteY1" fmla="*/ 5254376 h 6268899"/>
-              <a:gd name="connsiteX2" fmla="*/ 242314 w 742650"/>
-              <a:gd name="connsiteY2" fmla="*/ 0 h 6268899"/>
-            </a:gdLst>
-            <a:ahLst/>
-            <a:cxnLst>
-              <a:cxn ang="0">
-                <a:pos x="connsiteX0" y="connsiteY0"/>
-              </a:cxn>
-              <a:cxn ang="0">
-                <a:pos x="connsiteX1" y="connsiteY1"/>
-              </a:cxn>
-              <a:cxn ang="0">
-                <a:pos x="connsiteX2" y="connsiteY2"/>
-              </a:cxn>
-            </a:cxnLst>
-            <a:rect l="l" t="t" r="r" b="b"/>
-            <a:pathLst>
-              <a:path w="742650" h="6268899">
-                <a:moveTo>
-                  <a:pt x="742650" y="6268899"/>
-                </a:moveTo>
-                <a:lnTo>
-                  <a:pt x="0" y="5254376"/>
-                </a:lnTo>
-                <a:lnTo>
-                  <a:pt x="242314" y="0"/>
-                </a:lnTo>
-                <a:close/>
-              </a:path>
-            </a:pathLst>
-          </a:custGeom>
-          <a:solidFill>
-            <a:srgbClr val="F0B931"/>
-          </a:solidFill>
-          <a:ln>
-            <a:noFill/>
-          </a:ln>
-        </p:spPr>
-        <p:style>
-          <a:lnRef idx="2">
-            <a:schemeClr val="accent1">
-              <a:shade val="50000"/>
-            </a:schemeClr>
-          </a:lnRef>
-          <a:fillRef idx="1">
-            <a:schemeClr val="accent1"/>
-          </a:fillRef>
-          <a:effectRef idx="0">
-            <a:schemeClr val="accent1"/>
-          </a:effectRef>
-          <a:fontRef idx="minor">
-            <a:schemeClr val="lt1"/>
-          </a:fontRef>
-        </p:style>
-        <p:txBody>
-          <a:bodyPr anchor="ctr"/>
-          <a:lstStyle/>
-          <a:p>
-            <a:pPr marL="0" marR="0" lvl="0" indent="0" algn="ctr" defTabSz="914400" rtl="0" eaLnBrk="1" fontAlgn="auto" latinLnBrk="0" hangingPunct="1">
-              <a:lnSpc>
-                <a:spcPct val="100000"/>
-              </a:lnSpc>
-              <a:spcBef>
-                <a:spcPts val="0"/>
-              </a:spcBef>
-              <a:spcAft>
-                <a:spcPts val="0"/>
-              </a:spcAft>
-              <a:buClrTx/>
-              <a:buSzTx/>
-              <a:buFontTx/>
-              <a:buNone/>
-              <a:defRPr/>
-            </a:pPr>
-            <a:endParaRPr kumimoji="0" lang="zh-CN" altLang="en-US" sz="1800" b="0" i="0" u="none" strike="noStrike" kern="1200" cap="none" spc="0" normalizeH="0" baseline="0" noProof="0">
-              <a:ln>
-                <a:noFill/>
-              </a:ln>
-              <a:solidFill>
-                <a:schemeClr val="lt1"/>
-              </a:solidFill>
-              <a:effectLst/>
-              <a:uLnTx/>
-              <a:uFillTx/>
-              <a:latin typeface="+mn-lt"/>
-              <a:ea typeface="+mn-ea"/>
-              <a:cs typeface="+mn-cs"/>
-            </a:endParaRPr>
-          </a:p>
-        </p:txBody>
-      </p:sp>
-      <p:pic>
-        <p:nvPicPr>
-          <p:cNvPr id="5" name="Picture 4" descr="python-logo"/>
-          <p:cNvPicPr>
-            <a:picLocks noChangeAspect="1"/>
-          </p:cNvPicPr>
-          <p:nvPr/>
-        </p:nvPicPr>
-        <p:blipFill>
-          <a:blip r:embed="rId2"/>
-          <a:stretch>
-            <a:fillRect/>
-          </a:stretch>
-        </p:blipFill>
-        <p:spPr>
-          <a:xfrm>
-            <a:off x="8762365" y="38150"/>
-            <a:ext cx="3683000" cy="1041400"/>
-          </a:xfrm>
-          <a:prstGeom prst="rect">
-            <a:avLst/>
-          </a:prstGeom>
-        </p:spPr>
-      </p:pic>
-      <p:sp>
-        <p:nvSpPr>
-          <p:cNvPr id="4" name="Rectangle 3"/>
-          <p:cNvSpPr/>
-          <p:nvPr/>
-        </p:nvSpPr>
-        <p:spPr>
-          <a:xfrm>
-            <a:off x="116369" y="38150"/>
-            <a:ext cx="6543738" cy="1323439"/>
-          </a:xfrm>
-          <a:prstGeom prst="rect">
-            <a:avLst/>
-          </a:prstGeom>
-          <a:noFill/>
-        </p:spPr>
-        <p:txBody>
-          <a:bodyPr wrap="square" rtlCol="0" anchor="t">
-            <a:spAutoFit/>
-          </a:bodyPr>
-          <a:lstStyle/>
-          <a:p>
-            <a:r>
-              <a:rPr lang="en-US" sz="4000" b="1" dirty="0"/>
-              <a:t>Threads</a:t>
-            </a:r>
-          </a:p>
-          <a:p>
-            <a:endParaRPr lang="en-US" sz="4000" dirty="0"/>
-          </a:p>
-        </p:txBody>
-      </p:sp>
-      <p:sp>
-        <p:nvSpPr>
-          <p:cNvPr id="10" name="Rectangle 9"/>
-          <p:cNvSpPr/>
-          <p:nvPr/>
-        </p:nvSpPr>
-        <p:spPr>
-          <a:xfrm>
-            <a:off x="8563525" y="6491605"/>
-            <a:ext cx="4080680" cy="369332"/>
-          </a:xfrm>
-          <a:prstGeom prst="rect">
-            <a:avLst/>
-          </a:prstGeom>
-        </p:spPr>
-        <p:txBody>
-          <a:bodyPr wrap="square">
-            <a:spAutoFit/>
-          </a:bodyPr>
-          <a:lstStyle/>
-          <a:p>
-            <a:pPr algn="ctr"/>
-            <a:r>
-              <a:rPr lang="en-US" dirty="0" smtClean="0">
-                <a:latin typeface="Verdana" panose="020B0604030504040204" pitchFamily="34" charset="0"/>
-                <a:ea typeface="Verdana" panose="020B0604030504040204" pitchFamily="34" charset="0"/>
-              </a:rPr>
-              <a:t>Python </a:t>
-            </a:r>
-            <a:r>
-              <a:rPr lang="en-US" dirty="0">
-                <a:latin typeface="Verdana" panose="020B0604030504040204" pitchFamily="34" charset="0"/>
-                <a:ea typeface="Verdana" panose="020B0604030504040204" pitchFamily="34" charset="0"/>
-              </a:rPr>
-              <a:t>RegEx &amp; </a:t>
-            </a:r>
-            <a:r>
-              <a:rPr lang="en-US" dirty="0" smtClean="0">
-                <a:latin typeface="Verdana" panose="020B0604030504040204" pitchFamily="34" charset="0"/>
-                <a:ea typeface="Verdana" panose="020B0604030504040204" pitchFamily="34" charset="0"/>
-              </a:rPr>
-              <a:t>Decorators</a:t>
-            </a:r>
-            <a:endParaRPr lang="en-US" dirty="0">
-              <a:latin typeface="Verdana" panose="020B0604030504040204" pitchFamily="34" charset="0"/>
-              <a:ea typeface="Verdana" panose="020B0604030504040204" pitchFamily="34" charset="0"/>
-            </a:endParaRPr>
-          </a:p>
-        </p:txBody>
-      </p:sp>
-    </p:spTree>
-    <p:extLst>
-      <p:ext uri="{BB962C8B-B14F-4D97-AF65-F5344CB8AC3E}">
-        <p14:creationId xmlns:p14="http://schemas.microsoft.com/office/powerpoint/2010/main" val="1169921736"/>
-      </p:ext>
-    </p:extLst>
-  </p:cSld>
-  <p:clrMapOvr>
-    <a:masterClrMapping/>
-  </p:clrMapOvr>
-  <p:timing>
-    <p:tnLst>
-      <p:par>
-        <p:cTn id="1" dur="indefinite" restart="never" nodeType="tmRoot"/>
-      </p:par>
-    </p:tnLst>
-  </p:timing>
-</p:sld>
-</file>
-
-<file path=ppt/slides/slide24.xml><?xml version="1.0" encoding="utf-8"?>
 <p:sld xmlns:a="http://schemas.openxmlformats.org/drawingml/2006/main" xmlns:r="http://schemas.openxmlformats.org/officeDocument/2006/relationships" xmlns:p="http://schemas.openxmlformats.org/presentationml/2006/main">
   <p:cSld>
     <p:spTree>
@@ -24874,7 +23096,6 @@
               <a:rPr lang="en-US" sz="4000" b="1" dirty="0"/>
               <a:t>Caret </a:t>
             </a:r>
-            <a:endParaRPr lang="en-US" sz="4000" b="1" dirty="0"/>
           </a:p>
           <a:p>
             <a:endParaRPr lang="en-US" sz="4000" dirty="0"/>
